--- a/パワーポイント/プロジェクトCDE.pptx
+++ b/パワーポイント/プロジェクトCDE.pptx
@@ -5,15 +5,16 @@
     <p:sldMasterId id="2147483749" r:id="rId1"/>
   </p:sldMasterIdLst>
   <p:notesMasterIdLst>
-    <p:notesMasterId r:id="rId8"/>
+    <p:notesMasterId r:id="rId9"/>
   </p:notesMasterIdLst>
   <p:sldIdLst>
     <p:sldId id="322" r:id="rId2"/>
     <p:sldId id="311" r:id="rId3"/>
-    <p:sldId id="321" r:id="rId4"/>
-    <p:sldId id="319" r:id="rId5"/>
-    <p:sldId id="318" r:id="rId6"/>
-    <p:sldId id="320" r:id="rId7"/>
+    <p:sldId id="323" r:id="rId4"/>
+    <p:sldId id="321" r:id="rId5"/>
+    <p:sldId id="319" r:id="rId6"/>
+    <p:sldId id="318" r:id="rId7"/>
+    <p:sldId id="320" r:id="rId8"/>
   </p:sldIdLst>
   <p:sldSz cx="12192000" cy="6858000"/>
   <p:notesSz cx="6858000" cy="9144000"/>
@@ -219,7 +220,7 @@
           <a:p>
             <a:fld id="{CA49738D-D75D-40B1-BF46-FC9ACBB15E75}" type="datetimeFigureOut">
               <a:rPr kumimoji="1" lang="ja-JP" altLang="en-US" smtClean="0"/>
-              <a:t>2025/4/13</a:t>
+              <a:t>2025/4/20</a:t>
             </a:fld>
             <a:endParaRPr kumimoji="1" lang="ja-JP" altLang="en-US"/>
           </a:p>
@@ -713,6 +714,114 @@
         <p:cNvPr id="1" name="">
           <a:extLst>
             <a:ext uri="{FF2B5EF4-FFF2-40B4-BE49-F238E27FC236}">
+              <a16:creationId xmlns:a16="http://schemas.microsoft.com/office/drawing/2014/main" id="{15BB552E-3056-DED2-365A-66C4530B88F2}"/>
+            </a:ext>
+          </a:extLst>
+        </p:cNvPr>
+        <p:cNvGrpSpPr/>
+        <p:nvPr/>
+      </p:nvGrpSpPr>
+      <p:grpSpPr>
+        <a:xfrm>
+          <a:off x="0" y="0"/>
+          <a:ext cx="0" cy="0"/>
+          <a:chOff x="0" y="0"/>
+          <a:chExt cx="0" cy="0"/>
+        </a:xfrm>
+      </p:grpSpPr>
+      <p:sp>
+        <p:nvSpPr>
+          <p:cNvPr id="2" name="スライド イメージ プレースホルダー 1">
+            <a:extLst>
+              <a:ext uri="{FF2B5EF4-FFF2-40B4-BE49-F238E27FC236}">
+                <a16:creationId xmlns:a16="http://schemas.microsoft.com/office/drawing/2014/main" id="{0C76D74F-FFC5-9EF4-6CCF-E6B4807E6296}"/>
+              </a:ext>
+            </a:extLst>
+          </p:cNvPr>
+          <p:cNvSpPr>
+            <a:spLocks noGrp="1" noRot="1" noChangeAspect="1"/>
+          </p:cNvSpPr>
+          <p:nvPr>
+            <p:ph type="sldImg"/>
+          </p:nvPr>
+        </p:nvSpPr>
+        <p:spPr/>
+      </p:sp>
+      <p:sp>
+        <p:nvSpPr>
+          <p:cNvPr id="3" name="ノート プレースホルダー 2">
+            <a:extLst>
+              <a:ext uri="{FF2B5EF4-FFF2-40B4-BE49-F238E27FC236}">
+                <a16:creationId xmlns:a16="http://schemas.microsoft.com/office/drawing/2014/main" id="{A9C0552A-6804-988A-2766-4E2FA46C5314}"/>
+              </a:ext>
+            </a:extLst>
+          </p:cNvPr>
+          <p:cNvSpPr>
+            <a:spLocks noGrp="1"/>
+          </p:cNvSpPr>
+          <p:nvPr>
+            <p:ph type="body" idx="1"/>
+          </p:nvPr>
+        </p:nvSpPr>
+        <p:spPr/>
+        <p:txBody>
+          <a:bodyPr/>
+          <a:lstStyle/>
+          <a:p>
+            <a:endParaRPr kumimoji="1" lang="ja-JP" altLang="en-US" dirty="0"/>
+          </a:p>
+        </p:txBody>
+      </p:sp>
+      <p:sp>
+        <p:nvSpPr>
+          <p:cNvPr id="4" name="スライド番号プレースホルダー 3">
+            <a:extLst>
+              <a:ext uri="{FF2B5EF4-FFF2-40B4-BE49-F238E27FC236}">
+                <a16:creationId xmlns:a16="http://schemas.microsoft.com/office/drawing/2014/main" id="{C90CD7FB-DF7A-2C6D-E1A3-35A694D2862A}"/>
+              </a:ext>
+            </a:extLst>
+          </p:cNvPr>
+          <p:cNvSpPr>
+            <a:spLocks noGrp="1"/>
+          </p:cNvSpPr>
+          <p:nvPr>
+            <p:ph type="sldNum" sz="quarter" idx="5"/>
+          </p:nvPr>
+        </p:nvSpPr>
+        <p:spPr/>
+        <p:txBody>
+          <a:bodyPr/>
+          <a:lstStyle/>
+          <a:p>
+            <a:fld id="{22E5198F-549A-4508-B579-8CA394E94788}" type="slidenum">
+              <a:rPr kumimoji="1" lang="ja-JP" altLang="en-US" smtClean="0"/>
+              <a:t>3</a:t>
+            </a:fld>
+            <a:endParaRPr kumimoji="1" lang="ja-JP" altLang="en-US"/>
+          </a:p>
+        </p:txBody>
+      </p:sp>
+    </p:spTree>
+    <p:extLst>
+      <p:ext uri="{BB962C8B-B14F-4D97-AF65-F5344CB8AC3E}">
+        <p14:creationId xmlns:p14="http://schemas.microsoft.com/office/powerpoint/2010/main" val="2710379504"/>
+      </p:ext>
+    </p:extLst>
+  </p:cSld>
+  <p:clrMapOvr>
+    <a:masterClrMapping/>
+  </p:clrMapOvr>
+</p:notes>
+</file>
+
+<file path=ppt/notesSlides/notesSlide4.xml><?xml version="1.0" encoding="utf-8"?>
+<p:notes xmlns:a="http://schemas.openxmlformats.org/drawingml/2006/main" xmlns:r="http://schemas.openxmlformats.org/officeDocument/2006/relationships" xmlns:p="http://schemas.openxmlformats.org/presentationml/2006/main">
+  <p:cSld>
+    <p:spTree>
+      <p:nvGrpSpPr>
+        <p:cNvPr id="1" name="">
+          <a:extLst>
+            <a:ext uri="{FF2B5EF4-FFF2-40B4-BE49-F238E27FC236}">
               <a16:creationId xmlns:a16="http://schemas.microsoft.com/office/drawing/2014/main" id="{F7B033D8-3823-3F86-66EF-9D8030D81A93}"/>
             </a:ext>
           </a:extLst>
@@ -794,7 +903,7 @@
           <a:p>
             <a:fld id="{22E5198F-549A-4508-B579-8CA394E94788}" type="slidenum">
               <a:rPr kumimoji="1" lang="ja-JP" altLang="en-US" smtClean="0"/>
-              <a:t>3</a:t>
+              <a:t>4</a:t>
             </a:fld>
             <a:endParaRPr kumimoji="1" lang="ja-JP" altLang="en-US"/>
           </a:p>
@@ -813,7 +922,7 @@
 </p:notes>
 </file>
 
-<file path=ppt/notesSlides/notesSlide4.xml><?xml version="1.0" encoding="utf-8"?>
+<file path=ppt/notesSlides/notesSlide5.xml><?xml version="1.0" encoding="utf-8"?>
 <p:notes xmlns:a="http://schemas.openxmlformats.org/drawingml/2006/main" xmlns:r="http://schemas.openxmlformats.org/officeDocument/2006/relationships" xmlns:p="http://schemas.openxmlformats.org/presentationml/2006/main">
   <p:cSld>
     <p:spTree>
@@ -878,7 +987,7 @@
           <a:p>
             <a:fld id="{22E5198F-549A-4508-B579-8CA394E94788}" type="slidenum">
               <a:rPr kumimoji="1" lang="ja-JP" altLang="en-US" smtClean="0"/>
-              <a:t>4</a:t>
+              <a:t>5</a:t>
             </a:fld>
             <a:endParaRPr kumimoji="1" lang="ja-JP" altLang="en-US"/>
           </a:p>
@@ -888,107 +997,6 @@
     <p:extLst>
       <p:ext uri="{BB962C8B-B14F-4D97-AF65-F5344CB8AC3E}">
         <p14:creationId xmlns:p14="http://schemas.microsoft.com/office/powerpoint/2010/main" val="2378863085"/>
-      </p:ext>
-    </p:extLst>
-  </p:cSld>
-  <p:clrMapOvr>
-    <a:masterClrMapping/>
-  </p:clrMapOvr>
-</p:notes>
-</file>
-
-<file path=ppt/notesSlides/notesSlide5.xml><?xml version="1.0" encoding="utf-8"?>
-<p:notes xmlns:a="http://schemas.openxmlformats.org/drawingml/2006/main" xmlns:r="http://schemas.openxmlformats.org/officeDocument/2006/relationships" xmlns:p="http://schemas.openxmlformats.org/presentationml/2006/main">
-  <p:cSld>
-    <p:spTree>
-      <p:nvGrpSpPr>
-        <p:cNvPr id="1" name=""/>
-        <p:cNvGrpSpPr/>
-        <p:nvPr/>
-      </p:nvGrpSpPr>
-      <p:grpSpPr>
-        <a:xfrm>
-          <a:off x="0" y="0"/>
-          <a:ext cx="0" cy="0"/>
-          <a:chOff x="0" y="0"/>
-          <a:chExt cx="0" cy="0"/>
-        </a:xfrm>
-      </p:grpSpPr>
-      <p:sp>
-        <p:nvSpPr>
-          <p:cNvPr id="2" name="スライド イメージ プレースホルダー 1"/>
-          <p:cNvSpPr>
-            <a:spLocks noGrp="1" noRot="1" noChangeAspect="1"/>
-          </p:cNvSpPr>
-          <p:nvPr>
-            <p:ph type="sldImg"/>
-          </p:nvPr>
-        </p:nvSpPr>
-        <p:spPr/>
-      </p:sp>
-      <p:sp>
-        <p:nvSpPr>
-          <p:cNvPr id="3" name="ノート プレースホルダー 2"/>
-          <p:cNvSpPr>
-            <a:spLocks noGrp="1"/>
-          </p:cNvSpPr>
-          <p:nvPr>
-            <p:ph type="body" idx="1"/>
-          </p:nvPr>
-        </p:nvSpPr>
-        <p:spPr/>
-        <p:txBody>
-          <a:bodyPr/>
-          <a:lstStyle/>
-          <a:p>
-            <a:pPr marL="0" marR="0" lvl="0" indent="0" algn="l" defTabSz="914400" rtl="0" eaLnBrk="1" fontAlgn="auto" latinLnBrk="0" hangingPunct="1">
-              <a:lnSpc>
-                <a:spcPct val="100000"/>
-              </a:lnSpc>
-              <a:spcBef>
-                <a:spcPts val="0"/>
-              </a:spcBef>
-              <a:spcAft>
-                <a:spcPts val="0"/>
-              </a:spcAft>
-              <a:buClrTx/>
-              <a:buSzTx/>
-              <a:buFontTx/>
-              <a:buNone/>
-              <a:tabLst/>
-              <a:defRPr/>
-            </a:pPr>
-            <a:endParaRPr kumimoji="1" lang="en-US" altLang="ja-JP" dirty="0"/>
-          </a:p>
-        </p:txBody>
-      </p:sp>
-      <p:sp>
-        <p:nvSpPr>
-          <p:cNvPr id="4" name="スライド番号プレースホルダー 3"/>
-          <p:cNvSpPr>
-            <a:spLocks noGrp="1"/>
-          </p:cNvSpPr>
-          <p:nvPr>
-            <p:ph type="sldNum" sz="quarter" idx="5"/>
-          </p:nvPr>
-        </p:nvSpPr>
-        <p:spPr/>
-        <p:txBody>
-          <a:bodyPr/>
-          <a:lstStyle/>
-          <a:p>
-            <a:fld id="{22E5198F-549A-4508-B579-8CA394E94788}" type="slidenum">
-              <a:rPr kumimoji="1" lang="ja-JP" altLang="en-US" smtClean="0"/>
-              <a:t>5</a:t>
-            </a:fld>
-            <a:endParaRPr kumimoji="1" lang="ja-JP" altLang="en-US"/>
-          </a:p>
-        </p:txBody>
-      </p:sp>
-    </p:spTree>
-    <p:extLst>
-      <p:ext uri="{BB962C8B-B14F-4D97-AF65-F5344CB8AC3E}">
-        <p14:creationId xmlns:p14="http://schemas.microsoft.com/office/powerpoint/2010/main" val="2348503833"/>
       </p:ext>
     </p:extLst>
   </p:cSld>
@@ -1081,6 +1089,107 @@
             <a:fld id="{22E5198F-549A-4508-B579-8CA394E94788}" type="slidenum">
               <a:rPr kumimoji="1" lang="ja-JP" altLang="en-US" smtClean="0"/>
               <a:t>6</a:t>
+            </a:fld>
+            <a:endParaRPr kumimoji="1" lang="ja-JP" altLang="en-US"/>
+          </a:p>
+        </p:txBody>
+      </p:sp>
+    </p:spTree>
+    <p:extLst>
+      <p:ext uri="{BB962C8B-B14F-4D97-AF65-F5344CB8AC3E}">
+        <p14:creationId xmlns:p14="http://schemas.microsoft.com/office/powerpoint/2010/main" val="2348503833"/>
+      </p:ext>
+    </p:extLst>
+  </p:cSld>
+  <p:clrMapOvr>
+    <a:masterClrMapping/>
+  </p:clrMapOvr>
+</p:notes>
+</file>
+
+<file path=ppt/notesSlides/notesSlide7.xml><?xml version="1.0" encoding="utf-8"?>
+<p:notes xmlns:a="http://schemas.openxmlformats.org/drawingml/2006/main" xmlns:r="http://schemas.openxmlformats.org/officeDocument/2006/relationships" xmlns:p="http://schemas.openxmlformats.org/presentationml/2006/main">
+  <p:cSld>
+    <p:spTree>
+      <p:nvGrpSpPr>
+        <p:cNvPr id="1" name=""/>
+        <p:cNvGrpSpPr/>
+        <p:nvPr/>
+      </p:nvGrpSpPr>
+      <p:grpSpPr>
+        <a:xfrm>
+          <a:off x="0" y="0"/>
+          <a:ext cx="0" cy="0"/>
+          <a:chOff x="0" y="0"/>
+          <a:chExt cx="0" cy="0"/>
+        </a:xfrm>
+      </p:grpSpPr>
+      <p:sp>
+        <p:nvSpPr>
+          <p:cNvPr id="2" name="スライド イメージ プレースホルダー 1"/>
+          <p:cNvSpPr>
+            <a:spLocks noGrp="1" noRot="1" noChangeAspect="1"/>
+          </p:cNvSpPr>
+          <p:nvPr>
+            <p:ph type="sldImg"/>
+          </p:nvPr>
+        </p:nvSpPr>
+        <p:spPr/>
+      </p:sp>
+      <p:sp>
+        <p:nvSpPr>
+          <p:cNvPr id="3" name="ノート プレースホルダー 2"/>
+          <p:cNvSpPr>
+            <a:spLocks noGrp="1"/>
+          </p:cNvSpPr>
+          <p:nvPr>
+            <p:ph type="body" idx="1"/>
+          </p:nvPr>
+        </p:nvSpPr>
+        <p:spPr/>
+        <p:txBody>
+          <a:bodyPr/>
+          <a:lstStyle/>
+          <a:p>
+            <a:pPr marL="0" marR="0" lvl="0" indent="0" algn="l" defTabSz="914400" rtl="0" eaLnBrk="1" fontAlgn="auto" latinLnBrk="0" hangingPunct="1">
+              <a:lnSpc>
+                <a:spcPct val="100000"/>
+              </a:lnSpc>
+              <a:spcBef>
+                <a:spcPts val="0"/>
+              </a:spcBef>
+              <a:spcAft>
+                <a:spcPts val="0"/>
+              </a:spcAft>
+              <a:buClrTx/>
+              <a:buSzTx/>
+              <a:buFontTx/>
+              <a:buNone/>
+              <a:tabLst/>
+              <a:defRPr/>
+            </a:pPr>
+            <a:endParaRPr kumimoji="1" lang="en-US" altLang="ja-JP" dirty="0"/>
+          </a:p>
+        </p:txBody>
+      </p:sp>
+      <p:sp>
+        <p:nvSpPr>
+          <p:cNvPr id="4" name="スライド番号プレースホルダー 3"/>
+          <p:cNvSpPr>
+            <a:spLocks noGrp="1"/>
+          </p:cNvSpPr>
+          <p:nvPr>
+            <p:ph type="sldNum" sz="quarter" idx="5"/>
+          </p:nvPr>
+        </p:nvSpPr>
+        <p:spPr/>
+        <p:txBody>
+          <a:bodyPr/>
+          <a:lstStyle/>
+          <a:p>
+            <a:fld id="{22E5198F-549A-4508-B579-8CA394E94788}" type="slidenum">
+              <a:rPr kumimoji="1" lang="ja-JP" altLang="en-US" smtClean="0"/>
+              <a:t>7</a:t>
             </a:fld>
             <a:endParaRPr kumimoji="1" lang="ja-JP" altLang="en-US"/>
           </a:p>
@@ -1772,7 +1881,7 @@
             <a:fld id="{B61BEF0D-F0BB-DE4B-95CE-6DB70DBA9567}" type="datetimeFigureOut">
               <a:rPr lang="en-US" smtClean="0"/>
               <a:pPr/>
-              <a:t>4/13/2025</a:t>
+              <a:t>4/20/2025</a:t>
             </a:fld>
             <a:endParaRPr lang="en-US" dirty="0"/>
           </a:p>
@@ -7783,6 +7892,2278 @@
         <p:cNvPr id="1" name="">
           <a:extLst>
             <a:ext uri="{FF2B5EF4-FFF2-40B4-BE49-F238E27FC236}">
+              <a16:creationId xmlns:a16="http://schemas.microsoft.com/office/drawing/2014/main" id="{6AF9CB56-041B-43D7-0773-73F3CE001B7E}"/>
+            </a:ext>
+          </a:extLst>
+        </p:cNvPr>
+        <p:cNvGrpSpPr/>
+        <p:nvPr/>
+      </p:nvGrpSpPr>
+      <p:grpSpPr>
+        <a:xfrm>
+          <a:off x="0" y="0"/>
+          <a:ext cx="0" cy="0"/>
+          <a:chOff x="0" y="0"/>
+          <a:chExt cx="0" cy="0"/>
+        </a:xfrm>
+      </p:grpSpPr>
+      <p:sp>
+        <p:nvSpPr>
+          <p:cNvPr id="3" name="テキスト ボックス 2">
+            <a:extLst>
+              <a:ext uri="{FF2B5EF4-FFF2-40B4-BE49-F238E27FC236}">
+                <a16:creationId xmlns:a16="http://schemas.microsoft.com/office/drawing/2014/main" id="{25B08942-957E-64BA-252E-3D0C7C02355E}"/>
+              </a:ext>
+            </a:extLst>
+          </p:cNvPr>
+          <p:cNvSpPr txBox="1"/>
+          <p:nvPr/>
+        </p:nvSpPr>
+        <p:spPr>
+          <a:xfrm>
+            <a:off x="695400" y="192249"/>
+            <a:ext cx="8064896" cy="584775"/>
+          </a:xfrm>
+          <a:prstGeom prst="rect">
+            <a:avLst/>
+          </a:prstGeom>
+          <a:noFill/>
+        </p:spPr>
+        <p:txBody>
+          <a:bodyPr wrap="square" rtlCol="0">
+            <a:spAutoFit/>
+          </a:bodyPr>
+          <a:lstStyle/>
+          <a:p>
+            <a:r>
+              <a:rPr lang="en-US" altLang="ja-JP" sz="3200" b="1" i="0" u="sng" strike="noStrike" dirty="0">
+                <a:solidFill>
+                  <a:srgbClr val="00B0F0"/>
+                </a:solidFill>
+                <a:effectLst/>
+                <a:highlight>
+                  <a:srgbClr val="FFFFFF"/>
+                </a:highlight>
+                <a:latin typeface="-apple-system"/>
+              </a:rPr>
+              <a:t>GIS-CAD-CIM</a:t>
+            </a:r>
+            <a:r>
+              <a:rPr lang="ja-JP" altLang="en-US" sz="3200" b="1" i="0" u="sng" strike="noStrike" dirty="0">
+                <a:solidFill>
+                  <a:srgbClr val="00B0F0"/>
+                </a:solidFill>
+                <a:effectLst/>
+                <a:highlight>
+                  <a:srgbClr val="FFFFFF"/>
+                </a:highlight>
+                <a:latin typeface="-apple-system"/>
+              </a:rPr>
+              <a:t>連携概要</a:t>
+            </a:r>
+            <a:endParaRPr lang="ja-JP" altLang="en-US" sz="3200" b="1" i="0" u="sng" dirty="0">
+              <a:solidFill>
+                <a:srgbClr val="00B0F0"/>
+              </a:solidFill>
+              <a:effectLst/>
+              <a:highlight>
+                <a:srgbClr val="FFFFFF"/>
+              </a:highlight>
+              <a:latin typeface="-apple-system"/>
+            </a:endParaRPr>
+          </a:p>
+        </p:txBody>
+      </p:sp>
+      <p:cxnSp>
+        <p:nvCxnSpPr>
+          <p:cNvPr id="30" name="コネクタ: カギ線 29">
+            <a:extLst>
+              <a:ext uri="{FF2B5EF4-FFF2-40B4-BE49-F238E27FC236}">
+                <a16:creationId xmlns:a16="http://schemas.microsoft.com/office/drawing/2014/main" id="{352AC834-2BC1-7AA7-0D74-46170B2FE949}"/>
+              </a:ext>
+            </a:extLst>
+          </p:cNvPr>
+          <p:cNvCxnSpPr>
+            <a:cxnSpLocks/>
+            <a:stCxn id="26" idx="0"/>
+            <a:endCxn id="36" idx="3"/>
+          </p:cNvCxnSpPr>
+          <p:nvPr/>
+        </p:nvCxnSpPr>
+        <p:spPr>
+          <a:xfrm rot="16200000" flipV="1">
+            <a:off x="8560481" y="2002685"/>
+            <a:ext cx="1546139" cy="1855810"/>
+          </a:xfrm>
+          <a:prstGeom prst="bentConnector2">
+            <a:avLst/>
+          </a:prstGeom>
+          <a:ln w="63500">
+            <a:solidFill>
+              <a:schemeClr val="accent4"/>
+            </a:solidFill>
+            <a:headEnd type="triangle"/>
+            <a:tailEnd type="triangle"/>
+          </a:ln>
+        </p:spPr>
+        <p:style>
+          <a:lnRef idx="1">
+            <a:schemeClr val="accent1"/>
+          </a:lnRef>
+          <a:fillRef idx="0">
+            <a:schemeClr val="accent1"/>
+          </a:fillRef>
+          <a:effectRef idx="0">
+            <a:schemeClr val="accent1"/>
+          </a:effectRef>
+          <a:fontRef idx="minor">
+            <a:schemeClr val="tx1"/>
+          </a:fontRef>
+        </p:style>
+      </p:cxnSp>
+      <p:cxnSp>
+        <p:nvCxnSpPr>
+          <p:cNvPr id="76" name="コネクタ: カギ線 75">
+            <a:extLst>
+              <a:ext uri="{FF2B5EF4-FFF2-40B4-BE49-F238E27FC236}">
+                <a16:creationId xmlns:a16="http://schemas.microsoft.com/office/drawing/2014/main" id="{B8DE16F0-8088-B153-9A1E-441B9F6669D9}"/>
+              </a:ext>
+            </a:extLst>
+          </p:cNvPr>
+          <p:cNvCxnSpPr>
+            <a:cxnSpLocks/>
+            <a:stCxn id="71" idx="0"/>
+            <a:endCxn id="36" idx="2"/>
+          </p:cNvCxnSpPr>
+          <p:nvPr/>
+        </p:nvCxnSpPr>
+        <p:spPr>
+          <a:xfrm rot="5400000" flipH="1" flipV="1">
+            <a:off x="5882443" y="3207536"/>
+            <a:ext cx="878076" cy="11964"/>
+          </a:xfrm>
+          <a:prstGeom prst="bentConnector3">
+            <a:avLst>
+              <a:gd name="adj1" fmla="val 50000"/>
+            </a:avLst>
+          </a:prstGeom>
+          <a:ln w="63500">
+            <a:solidFill>
+              <a:schemeClr val="accent4"/>
+            </a:solidFill>
+            <a:headEnd type="triangle"/>
+            <a:tailEnd type="triangle"/>
+          </a:ln>
+        </p:spPr>
+        <p:style>
+          <a:lnRef idx="1">
+            <a:schemeClr val="accent1"/>
+          </a:lnRef>
+          <a:fillRef idx="0">
+            <a:schemeClr val="accent1"/>
+          </a:fillRef>
+          <a:effectRef idx="0">
+            <a:schemeClr val="accent1"/>
+          </a:effectRef>
+          <a:fontRef idx="minor">
+            <a:schemeClr val="tx1"/>
+          </a:fontRef>
+        </p:style>
+      </p:cxnSp>
+      <p:grpSp>
+        <p:nvGrpSpPr>
+          <p:cNvPr id="113" name="グループ化 112">
+            <a:extLst>
+              <a:ext uri="{FF2B5EF4-FFF2-40B4-BE49-F238E27FC236}">
+                <a16:creationId xmlns:a16="http://schemas.microsoft.com/office/drawing/2014/main" id="{5D8C1B01-BA69-E71D-9C31-4CDFC5099C99}"/>
+              </a:ext>
+            </a:extLst>
+          </p:cNvPr>
+          <p:cNvGrpSpPr/>
+          <p:nvPr/>
+        </p:nvGrpSpPr>
+        <p:grpSpPr>
+          <a:xfrm>
+            <a:off x="4521389" y="3413370"/>
+            <a:ext cx="2998147" cy="1220904"/>
+            <a:chOff x="186709" y="1184284"/>
+            <a:chExt cx="2998147" cy="1220904"/>
+          </a:xfrm>
+        </p:grpSpPr>
+        <p:sp>
+          <p:nvSpPr>
+            <p:cNvPr id="71" name="四角形: 角を丸くする 70">
+              <a:extLst>
+                <a:ext uri="{FF2B5EF4-FFF2-40B4-BE49-F238E27FC236}">
+                  <a16:creationId xmlns:a16="http://schemas.microsoft.com/office/drawing/2014/main" id="{FC503A3B-6CF2-DED2-32DC-AADDEA55FF66}"/>
+                </a:ext>
+              </a:extLst>
+            </p:cNvPr>
+            <p:cNvSpPr/>
+            <p:nvPr/>
+          </p:nvSpPr>
+          <p:spPr>
+            <a:xfrm>
+              <a:off x="776782" y="1423470"/>
+              <a:ext cx="2408074" cy="971183"/>
+            </a:xfrm>
+            <a:prstGeom prst="roundRect">
+              <a:avLst>
+                <a:gd name="adj" fmla="val 19858"/>
+              </a:avLst>
+            </a:prstGeom>
+            <a:noFill/>
+            <a:ln>
+              <a:solidFill>
+                <a:schemeClr val="tx1"/>
+              </a:solidFill>
+            </a:ln>
+            <a:effectLst>
+              <a:outerShdw blurRad="50800" dist="38100" dir="2700000" algn="tl" rotWithShape="0">
+                <a:prstClr val="black">
+                  <a:alpha val="40000"/>
+                </a:prstClr>
+              </a:outerShdw>
+            </a:effectLst>
+          </p:spPr>
+          <p:style>
+            <a:lnRef idx="2">
+              <a:schemeClr val="accent3"/>
+            </a:lnRef>
+            <a:fillRef idx="1">
+              <a:schemeClr val="lt1"/>
+            </a:fillRef>
+            <a:effectRef idx="0">
+              <a:schemeClr val="accent3"/>
+            </a:effectRef>
+            <a:fontRef idx="minor">
+              <a:schemeClr val="dk1"/>
+            </a:fontRef>
+          </p:style>
+          <p:txBody>
+            <a:bodyPr rtlCol="0" anchor="ctr"/>
+            <a:lstStyle/>
+            <a:p>
+              <a:pPr algn="ctr">
+                <a:lnSpc>
+                  <a:spcPct val="130000"/>
+                </a:lnSpc>
+                <a:spcAft>
+                  <a:spcPts val="600"/>
+                </a:spcAft>
+              </a:pPr>
+              <a:endParaRPr kumimoji="1" lang="en-US" altLang="ja-JP" sz="1600" dirty="0">
+                <a:solidFill>
+                  <a:schemeClr val="tx1"/>
+                </a:solidFill>
+                <a:latin typeface="+mn-ea"/>
+              </a:endParaRPr>
+            </a:p>
+            <a:p>
+              <a:pPr algn="ctr">
+                <a:lnSpc>
+                  <a:spcPct val="130000"/>
+                </a:lnSpc>
+                <a:spcAft>
+                  <a:spcPts val="600"/>
+                </a:spcAft>
+              </a:pPr>
+              <a:endParaRPr kumimoji="1" lang="en-US" altLang="ja-JP" sz="1600" dirty="0">
+                <a:solidFill>
+                  <a:schemeClr val="tx1"/>
+                </a:solidFill>
+                <a:latin typeface="+mn-ea"/>
+              </a:endParaRPr>
+            </a:p>
+            <a:p>
+              <a:pPr algn="ctr">
+                <a:lnSpc>
+                  <a:spcPct val="130000"/>
+                </a:lnSpc>
+                <a:spcAft>
+                  <a:spcPts val="600"/>
+                </a:spcAft>
+              </a:pPr>
+              <a:endParaRPr kumimoji="1" lang="en-US" altLang="ja-JP" sz="1600" dirty="0">
+                <a:solidFill>
+                  <a:schemeClr val="tx1"/>
+                </a:solidFill>
+                <a:latin typeface="+mn-ea"/>
+              </a:endParaRPr>
+            </a:p>
+            <a:p>
+              <a:pPr algn="ctr">
+                <a:lnSpc>
+                  <a:spcPct val="130000"/>
+                </a:lnSpc>
+                <a:spcAft>
+                  <a:spcPts val="600"/>
+                </a:spcAft>
+              </a:pPr>
+              <a:endParaRPr kumimoji="1" lang="en-US" altLang="ja-JP" sz="1600" dirty="0">
+                <a:solidFill>
+                  <a:schemeClr val="tx1"/>
+                </a:solidFill>
+                <a:latin typeface="+mn-ea"/>
+              </a:endParaRPr>
+            </a:p>
+            <a:p>
+              <a:pPr algn="ctr">
+                <a:lnSpc>
+                  <a:spcPct val="130000"/>
+                </a:lnSpc>
+                <a:spcAft>
+                  <a:spcPts val="600"/>
+                </a:spcAft>
+              </a:pPr>
+              <a:endParaRPr kumimoji="1" lang="en-US" altLang="ja-JP" sz="1600" dirty="0">
+                <a:solidFill>
+                  <a:schemeClr val="tx1"/>
+                </a:solidFill>
+                <a:latin typeface="+mn-ea"/>
+              </a:endParaRPr>
+            </a:p>
+            <a:p>
+              <a:pPr algn="ctr">
+                <a:lnSpc>
+                  <a:spcPct val="130000"/>
+                </a:lnSpc>
+                <a:spcAft>
+                  <a:spcPts val="600"/>
+                </a:spcAft>
+              </a:pPr>
+              <a:endParaRPr kumimoji="1" lang="en-US" altLang="ja-JP" sz="1600" dirty="0">
+                <a:solidFill>
+                  <a:schemeClr val="tx1"/>
+                </a:solidFill>
+                <a:latin typeface="+mn-ea"/>
+              </a:endParaRPr>
+            </a:p>
+            <a:p>
+              <a:pPr algn="ctr">
+                <a:lnSpc>
+                  <a:spcPct val="130000"/>
+                </a:lnSpc>
+                <a:spcAft>
+                  <a:spcPts val="600"/>
+                </a:spcAft>
+              </a:pPr>
+              <a:endParaRPr kumimoji="1" lang="en-US" altLang="ja-JP" sz="1600" dirty="0">
+                <a:solidFill>
+                  <a:schemeClr val="tx1"/>
+                </a:solidFill>
+                <a:latin typeface="+mn-ea"/>
+              </a:endParaRPr>
+            </a:p>
+            <a:p>
+              <a:pPr algn="ctr">
+                <a:lnSpc>
+                  <a:spcPct val="130000"/>
+                </a:lnSpc>
+                <a:spcAft>
+                  <a:spcPts val="600"/>
+                </a:spcAft>
+              </a:pPr>
+              <a:endParaRPr kumimoji="1" lang="en-US" altLang="ja-JP" sz="2000" dirty="0">
+                <a:solidFill>
+                  <a:srgbClr val="FF0000"/>
+                </a:solidFill>
+                <a:latin typeface="+mn-ea"/>
+              </a:endParaRPr>
+            </a:p>
+            <a:p>
+              <a:pPr algn="ctr">
+                <a:lnSpc>
+                  <a:spcPct val="130000"/>
+                </a:lnSpc>
+                <a:spcAft>
+                  <a:spcPts val="600"/>
+                </a:spcAft>
+              </a:pPr>
+              <a:endParaRPr kumimoji="1" lang="en-US" altLang="ja-JP" sz="2000" dirty="0">
+                <a:solidFill>
+                  <a:srgbClr val="FF0000"/>
+                </a:solidFill>
+                <a:latin typeface="+mn-ea"/>
+              </a:endParaRPr>
+            </a:p>
+            <a:p>
+              <a:pPr algn="ctr">
+                <a:lnSpc>
+                  <a:spcPct val="130000"/>
+                </a:lnSpc>
+                <a:spcAft>
+                  <a:spcPts val="600"/>
+                </a:spcAft>
+              </a:pPr>
+              <a:endParaRPr kumimoji="1" lang="ja-JP" altLang="en-US" sz="2000" dirty="0">
+                <a:solidFill>
+                  <a:srgbClr val="FF0000"/>
+                </a:solidFill>
+                <a:latin typeface="+mn-ea"/>
+              </a:endParaRPr>
+            </a:p>
+          </p:txBody>
+        </p:sp>
+        <p:pic>
+          <p:nvPicPr>
+            <p:cNvPr id="110" name="グラフィックス 109">
+              <a:extLst>
+                <a:ext uri="{FF2B5EF4-FFF2-40B4-BE49-F238E27FC236}">
+                  <a16:creationId xmlns:a16="http://schemas.microsoft.com/office/drawing/2014/main" id="{98C1F346-A57C-6625-6419-42F0119382AF}"/>
+                </a:ext>
+              </a:extLst>
+            </p:cNvPr>
+            <p:cNvPicPr>
+              <a:picLocks noChangeAspect="1"/>
+            </p:cNvPicPr>
+            <p:nvPr/>
+          </p:nvPicPr>
+          <p:blipFill>
+            <a:blip r:embed="rId3">
+              <a:extLst>
+                <a:ext uri="{96DAC541-7B7A-43D3-8B79-37D633B846F1}">
+                  <asvg:svgBlip xmlns:asvg="http://schemas.microsoft.com/office/drawing/2016/SVG/main" r:embed="rId4"/>
+                </a:ext>
+              </a:extLst>
+            </a:blip>
+            <a:stretch>
+              <a:fillRect/>
+            </a:stretch>
+          </p:blipFill>
+          <p:spPr>
+            <a:xfrm>
+              <a:off x="897406" y="1434004"/>
+              <a:ext cx="2029381" cy="971184"/>
+            </a:xfrm>
+            <a:prstGeom prst="rect">
+              <a:avLst/>
+            </a:prstGeom>
+          </p:spPr>
+        </p:pic>
+        <p:sp>
+          <p:nvSpPr>
+            <p:cNvPr id="111" name="四角形: 角を丸くする 110">
+              <a:extLst>
+                <a:ext uri="{FF2B5EF4-FFF2-40B4-BE49-F238E27FC236}">
+                  <a16:creationId xmlns:a16="http://schemas.microsoft.com/office/drawing/2014/main" id="{3F7500C3-3DD8-E061-7E5A-D62AECDF3C02}"/>
+                </a:ext>
+              </a:extLst>
+            </p:cNvPr>
+            <p:cNvSpPr/>
+            <p:nvPr/>
+          </p:nvSpPr>
+          <p:spPr>
+            <a:xfrm>
+              <a:off x="186709" y="1184284"/>
+              <a:ext cx="1516804" cy="408057"/>
+            </a:xfrm>
+            <a:prstGeom prst="roundRect">
+              <a:avLst>
+                <a:gd name="adj" fmla="val 50000"/>
+              </a:avLst>
+            </a:prstGeom>
+            <a:solidFill>
+              <a:schemeClr val="bg1"/>
+            </a:solidFill>
+            <a:ln>
+              <a:solidFill>
+                <a:srgbClr val="FF0000"/>
+              </a:solidFill>
+            </a:ln>
+            <a:effectLst>
+              <a:outerShdw blurRad="50800" dist="38100" dir="2700000" algn="tl" rotWithShape="0">
+                <a:prstClr val="black">
+                  <a:alpha val="40000"/>
+                </a:prstClr>
+              </a:outerShdw>
+            </a:effectLst>
+          </p:spPr>
+          <p:style>
+            <a:lnRef idx="2">
+              <a:schemeClr val="accent3"/>
+            </a:lnRef>
+            <a:fillRef idx="1">
+              <a:schemeClr val="lt1"/>
+            </a:fillRef>
+            <a:effectRef idx="0">
+              <a:schemeClr val="accent3"/>
+            </a:effectRef>
+            <a:fontRef idx="minor">
+              <a:schemeClr val="dk1"/>
+            </a:fontRef>
+          </p:style>
+          <p:txBody>
+            <a:bodyPr rtlCol="0" anchor="ctr"/>
+            <a:lstStyle/>
+            <a:p>
+              <a:pPr algn="ctr">
+                <a:lnSpc>
+                  <a:spcPct val="130000"/>
+                </a:lnSpc>
+                <a:spcAft>
+                  <a:spcPts val="600"/>
+                </a:spcAft>
+              </a:pPr>
+              <a:r>
+                <a:rPr kumimoji="1" lang="ja-JP" altLang="en-US" sz="1200" dirty="0">
+                  <a:solidFill>
+                    <a:schemeClr val="tx1"/>
+                  </a:solidFill>
+                  <a:latin typeface="+mn-ea"/>
+                </a:rPr>
+                <a:t>誰でも利用可能</a:t>
+              </a:r>
+            </a:p>
+          </p:txBody>
+        </p:sp>
+      </p:grpSp>
+      <p:grpSp>
+        <p:nvGrpSpPr>
+          <p:cNvPr id="120" name="グループ化 119">
+            <a:extLst>
+              <a:ext uri="{FF2B5EF4-FFF2-40B4-BE49-F238E27FC236}">
+                <a16:creationId xmlns:a16="http://schemas.microsoft.com/office/drawing/2014/main" id="{3DB9D75D-C406-49DD-DE12-84F2739A8782}"/>
+              </a:ext>
+            </a:extLst>
+          </p:cNvPr>
+          <p:cNvGrpSpPr/>
+          <p:nvPr/>
+        </p:nvGrpSpPr>
+        <p:grpSpPr>
+          <a:xfrm>
+            <a:off x="8645353" y="3513603"/>
+            <a:ext cx="2820139" cy="1161239"/>
+            <a:chOff x="8604453" y="1232496"/>
+            <a:chExt cx="2820139" cy="1161239"/>
+          </a:xfrm>
+        </p:grpSpPr>
+        <p:grpSp>
+          <p:nvGrpSpPr>
+            <p:cNvPr id="28" name="グループ化 27">
+              <a:extLst>
+                <a:ext uri="{FF2B5EF4-FFF2-40B4-BE49-F238E27FC236}">
+                  <a16:creationId xmlns:a16="http://schemas.microsoft.com/office/drawing/2014/main" id="{D93FDB46-0C78-AD06-E48F-05B6E87F7FC0}"/>
+                </a:ext>
+              </a:extLst>
+            </p:cNvPr>
+            <p:cNvGrpSpPr/>
+            <p:nvPr/>
+          </p:nvGrpSpPr>
+          <p:grpSpPr>
+            <a:xfrm>
+              <a:off x="9016518" y="1422552"/>
+              <a:ext cx="2408074" cy="971183"/>
+              <a:chOff x="2423593" y="3429000"/>
+              <a:chExt cx="2232248" cy="971183"/>
+            </a:xfrm>
+            <a:solidFill>
+              <a:schemeClr val="bg1"/>
+            </a:solidFill>
+          </p:grpSpPr>
+          <p:sp>
+            <p:nvSpPr>
+              <p:cNvPr id="26" name="四角形: 角を丸くする 25">
+                <a:extLst>
+                  <a:ext uri="{FF2B5EF4-FFF2-40B4-BE49-F238E27FC236}">
+                    <a16:creationId xmlns:a16="http://schemas.microsoft.com/office/drawing/2014/main" id="{68F45136-0141-770C-B875-818596A4CD23}"/>
+                  </a:ext>
+                </a:extLst>
+              </p:cNvPr>
+              <p:cNvSpPr/>
+              <p:nvPr/>
+            </p:nvSpPr>
+            <p:spPr>
+              <a:xfrm>
+                <a:off x="2423593" y="3429000"/>
+                <a:ext cx="2232248" cy="971183"/>
+              </a:xfrm>
+              <a:prstGeom prst="roundRect">
+                <a:avLst>
+                  <a:gd name="adj" fmla="val 19858"/>
+                </a:avLst>
+              </a:prstGeom>
+              <a:grpFill/>
+              <a:ln>
+                <a:solidFill>
+                  <a:schemeClr val="tx1"/>
+                </a:solidFill>
+              </a:ln>
+              <a:effectLst>
+                <a:outerShdw blurRad="50800" dist="38100" dir="2700000" algn="tl" rotWithShape="0">
+                  <a:prstClr val="black">
+                    <a:alpha val="40000"/>
+                  </a:prstClr>
+                </a:outerShdw>
+              </a:effectLst>
+            </p:spPr>
+            <p:style>
+              <a:lnRef idx="2">
+                <a:schemeClr val="accent3"/>
+              </a:lnRef>
+              <a:fillRef idx="1">
+                <a:schemeClr val="lt1"/>
+              </a:fillRef>
+              <a:effectRef idx="0">
+                <a:schemeClr val="accent3"/>
+              </a:effectRef>
+              <a:fontRef idx="minor">
+                <a:schemeClr val="dk1"/>
+              </a:fontRef>
+            </p:style>
+            <p:txBody>
+              <a:bodyPr rtlCol="0" anchor="ctr"/>
+              <a:lstStyle/>
+              <a:p>
+                <a:pPr algn="ctr">
+                  <a:lnSpc>
+                    <a:spcPct val="130000"/>
+                  </a:lnSpc>
+                  <a:spcAft>
+                    <a:spcPts val="600"/>
+                  </a:spcAft>
+                </a:pPr>
+                <a:endParaRPr kumimoji="1" lang="en-US" altLang="ja-JP" sz="1600" dirty="0">
+                  <a:solidFill>
+                    <a:schemeClr val="tx1"/>
+                  </a:solidFill>
+                  <a:latin typeface="+mn-ea"/>
+                </a:endParaRPr>
+              </a:p>
+              <a:p>
+                <a:pPr algn="ctr">
+                  <a:lnSpc>
+                    <a:spcPct val="130000"/>
+                  </a:lnSpc>
+                  <a:spcAft>
+                    <a:spcPts val="600"/>
+                  </a:spcAft>
+                </a:pPr>
+                <a:endParaRPr kumimoji="1" lang="en-US" altLang="ja-JP" sz="1600" dirty="0">
+                  <a:solidFill>
+                    <a:schemeClr val="tx1"/>
+                  </a:solidFill>
+                  <a:latin typeface="+mn-ea"/>
+                </a:endParaRPr>
+              </a:p>
+              <a:p>
+                <a:pPr algn="ctr">
+                  <a:lnSpc>
+                    <a:spcPct val="130000"/>
+                  </a:lnSpc>
+                  <a:spcAft>
+                    <a:spcPts val="600"/>
+                  </a:spcAft>
+                </a:pPr>
+                <a:endParaRPr kumimoji="1" lang="en-US" altLang="ja-JP" sz="1600" dirty="0">
+                  <a:solidFill>
+                    <a:schemeClr val="tx1"/>
+                  </a:solidFill>
+                  <a:latin typeface="+mn-ea"/>
+                </a:endParaRPr>
+              </a:p>
+              <a:p>
+                <a:pPr algn="ctr">
+                  <a:lnSpc>
+                    <a:spcPct val="130000"/>
+                  </a:lnSpc>
+                  <a:spcAft>
+                    <a:spcPts val="600"/>
+                  </a:spcAft>
+                </a:pPr>
+                <a:endParaRPr kumimoji="1" lang="en-US" altLang="ja-JP" sz="1600" dirty="0">
+                  <a:solidFill>
+                    <a:schemeClr val="tx1"/>
+                  </a:solidFill>
+                  <a:latin typeface="+mn-ea"/>
+                </a:endParaRPr>
+              </a:p>
+              <a:p>
+                <a:pPr algn="ctr">
+                  <a:lnSpc>
+                    <a:spcPct val="130000"/>
+                  </a:lnSpc>
+                  <a:spcAft>
+                    <a:spcPts val="600"/>
+                  </a:spcAft>
+                </a:pPr>
+                <a:endParaRPr kumimoji="1" lang="en-US" altLang="ja-JP" sz="1600" dirty="0">
+                  <a:solidFill>
+                    <a:schemeClr val="tx1"/>
+                  </a:solidFill>
+                  <a:latin typeface="+mn-ea"/>
+                </a:endParaRPr>
+              </a:p>
+              <a:p>
+                <a:pPr algn="ctr">
+                  <a:lnSpc>
+                    <a:spcPct val="130000"/>
+                  </a:lnSpc>
+                  <a:spcAft>
+                    <a:spcPts val="600"/>
+                  </a:spcAft>
+                </a:pPr>
+                <a:endParaRPr kumimoji="1" lang="en-US" altLang="ja-JP" sz="1600" dirty="0">
+                  <a:solidFill>
+                    <a:schemeClr val="tx1"/>
+                  </a:solidFill>
+                  <a:latin typeface="+mn-ea"/>
+                </a:endParaRPr>
+              </a:p>
+              <a:p>
+                <a:pPr algn="ctr">
+                  <a:lnSpc>
+                    <a:spcPct val="130000"/>
+                  </a:lnSpc>
+                  <a:spcAft>
+                    <a:spcPts val="600"/>
+                  </a:spcAft>
+                </a:pPr>
+                <a:endParaRPr kumimoji="1" lang="en-US" altLang="ja-JP" sz="1600" dirty="0">
+                  <a:solidFill>
+                    <a:schemeClr val="tx1"/>
+                  </a:solidFill>
+                  <a:latin typeface="+mn-ea"/>
+                </a:endParaRPr>
+              </a:p>
+              <a:p>
+                <a:pPr algn="ctr">
+                  <a:lnSpc>
+                    <a:spcPct val="130000"/>
+                  </a:lnSpc>
+                  <a:spcAft>
+                    <a:spcPts val="600"/>
+                  </a:spcAft>
+                </a:pPr>
+                <a:endParaRPr kumimoji="1" lang="en-US" altLang="ja-JP" sz="2000" dirty="0">
+                  <a:solidFill>
+                    <a:srgbClr val="FF0000"/>
+                  </a:solidFill>
+                  <a:latin typeface="+mn-ea"/>
+                </a:endParaRPr>
+              </a:p>
+              <a:p>
+                <a:pPr algn="ctr">
+                  <a:lnSpc>
+                    <a:spcPct val="130000"/>
+                  </a:lnSpc>
+                  <a:spcAft>
+                    <a:spcPts val="600"/>
+                  </a:spcAft>
+                </a:pPr>
+                <a:endParaRPr kumimoji="1" lang="en-US" altLang="ja-JP" sz="2000" dirty="0">
+                  <a:solidFill>
+                    <a:srgbClr val="FF0000"/>
+                  </a:solidFill>
+                  <a:latin typeface="+mn-ea"/>
+                </a:endParaRPr>
+              </a:p>
+              <a:p>
+                <a:pPr algn="ctr">
+                  <a:lnSpc>
+                    <a:spcPct val="130000"/>
+                  </a:lnSpc>
+                  <a:spcAft>
+                    <a:spcPts val="600"/>
+                  </a:spcAft>
+                </a:pPr>
+                <a:endParaRPr kumimoji="1" lang="ja-JP" altLang="en-US" sz="2000" dirty="0">
+                  <a:solidFill>
+                    <a:srgbClr val="FF0000"/>
+                  </a:solidFill>
+                  <a:latin typeface="+mn-ea"/>
+                </a:endParaRPr>
+              </a:p>
+            </p:txBody>
+          </p:sp>
+          <p:sp>
+            <p:nvSpPr>
+              <p:cNvPr id="24" name="テキスト ボックス 23">
+                <a:extLst>
+                  <a:ext uri="{FF2B5EF4-FFF2-40B4-BE49-F238E27FC236}">
+                    <a16:creationId xmlns:a16="http://schemas.microsoft.com/office/drawing/2014/main" id="{4829572E-EDC7-6C34-B353-134C75F73704}"/>
+                  </a:ext>
+                </a:extLst>
+              </p:cNvPr>
+              <p:cNvSpPr txBox="1"/>
+              <p:nvPr/>
+            </p:nvSpPr>
+            <p:spPr>
+              <a:xfrm>
+                <a:off x="2567609" y="3683758"/>
+                <a:ext cx="1800200" cy="461665"/>
+              </a:xfrm>
+              <a:prstGeom prst="rect">
+                <a:avLst/>
+              </a:prstGeom>
+              <a:grpFill/>
+            </p:spPr>
+            <p:txBody>
+              <a:bodyPr wrap="square">
+                <a:spAutoFit/>
+              </a:bodyPr>
+              <a:lstStyle/>
+              <a:p>
+                <a:pPr algn="ctr"/>
+                <a:r>
+                  <a:rPr lang="ja-JP" altLang="en-US" sz="2400" dirty="0">
+                    <a:hlinkClick r:id="rId5"/>
+                  </a:rPr>
+                  <a:t>BIM/CIM</a:t>
+                </a:r>
+                <a:endParaRPr lang="ja-JP" altLang="en-US" sz="2400" dirty="0"/>
+              </a:p>
+            </p:txBody>
+          </p:sp>
+        </p:grpSp>
+        <p:sp>
+          <p:nvSpPr>
+            <p:cNvPr id="119" name="四角形: 角を丸くする 118">
+              <a:extLst>
+                <a:ext uri="{FF2B5EF4-FFF2-40B4-BE49-F238E27FC236}">
+                  <a16:creationId xmlns:a16="http://schemas.microsoft.com/office/drawing/2014/main" id="{39741BD7-3D92-A09A-F25B-6BA5787039C0}"/>
+                </a:ext>
+              </a:extLst>
+            </p:cNvPr>
+            <p:cNvSpPr/>
+            <p:nvPr/>
+          </p:nvSpPr>
+          <p:spPr>
+            <a:xfrm>
+              <a:off x="8604453" y="1232496"/>
+              <a:ext cx="1116166" cy="408057"/>
+            </a:xfrm>
+            <a:prstGeom prst="roundRect">
+              <a:avLst>
+                <a:gd name="adj" fmla="val 50000"/>
+              </a:avLst>
+            </a:prstGeom>
+            <a:solidFill>
+              <a:schemeClr val="bg1"/>
+            </a:solidFill>
+            <a:ln>
+              <a:solidFill>
+                <a:schemeClr val="tx1"/>
+              </a:solidFill>
+            </a:ln>
+            <a:effectLst>
+              <a:outerShdw blurRad="50800" dist="38100" dir="2700000" algn="tl" rotWithShape="0">
+                <a:prstClr val="black">
+                  <a:alpha val="40000"/>
+                </a:prstClr>
+              </a:outerShdw>
+            </a:effectLst>
+          </p:spPr>
+          <p:style>
+            <a:lnRef idx="2">
+              <a:schemeClr val="accent3"/>
+            </a:lnRef>
+            <a:fillRef idx="1">
+              <a:schemeClr val="lt1"/>
+            </a:fillRef>
+            <a:effectRef idx="0">
+              <a:schemeClr val="accent3"/>
+            </a:effectRef>
+            <a:fontRef idx="minor">
+              <a:schemeClr val="dk1"/>
+            </a:fontRef>
+          </p:style>
+          <p:txBody>
+            <a:bodyPr rtlCol="0" anchor="ctr"/>
+            <a:lstStyle/>
+            <a:p>
+              <a:pPr algn="ctr">
+                <a:lnSpc>
+                  <a:spcPct val="130000"/>
+                </a:lnSpc>
+                <a:spcAft>
+                  <a:spcPts val="600"/>
+                </a:spcAft>
+              </a:pPr>
+              <a:r>
+                <a:rPr kumimoji="1" lang="en-US" altLang="ja-JP" sz="1200" dirty="0">
+                  <a:solidFill>
+                    <a:schemeClr val="tx1"/>
+                  </a:solidFill>
+                  <a:latin typeface="+mn-ea"/>
+                </a:rPr>
+                <a:t>IFC</a:t>
+              </a:r>
+              <a:endParaRPr kumimoji="1" lang="ja-JP" altLang="en-US" sz="1200" dirty="0">
+                <a:solidFill>
+                  <a:schemeClr val="tx1"/>
+                </a:solidFill>
+                <a:latin typeface="+mn-ea"/>
+              </a:endParaRPr>
+            </a:p>
+          </p:txBody>
+        </p:sp>
+      </p:grpSp>
+      <p:grpSp>
+        <p:nvGrpSpPr>
+          <p:cNvPr id="1033" name="グループ化 1032">
+            <a:extLst>
+              <a:ext uri="{FF2B5EF4-FFF2-40B4-BE49-F238E27FC236}">
+                <a16:creationId xmlns:a16="http://schemas.microsoft.com/office/drawing/2014/main" id="{1DC9B606-2CC2-1EAB-D272-C485F08E7E38}"/>
+              </a:ext>
+            </a:extLst>
+          </p:cNvPr>
+          <p:cNvGrpSpPr/>
+          <p:nvPr/>
+        </p:nvGrpSpPr>
+        <p:grpSpPr>
+          <a:xfrm>
+            <a:off x="726509" y="3701393"/>
+            <a:ext cx="3171570" cy="2079579"/>
+            <a:chOff x="3895036" y="1280212"/>
+            <a:chExt cx="3901832" cy="2079579"/>
+          </a:xfrm>
+          <a:solidFill>
+            <a:schemeClr val="bg1"/>
+          </a:solidFill>
+        </p:grpSpPr>
+        <p:grpSp>
+          <p:nvGrpSpPr>
+            <p:cNvPr id="1034" name="グループ化 1033">
+              <a:extLst>
+                <a:ext uri="{FF2B5EF4-FFF2-40B4-BE49-F238E27FC236}">
+                  <a16:creationId xmlns:a16="http://schemas.microsoft.com/office/drawing/2014/main" id="{304B068C-BAF7-D03F-4B89-423F787EFD99}"/>
+                </a:ext>
+              </a:extLst>
+            </p:cNvPr>
+            <p:cNvGrpSpPr/>
+            <p:nvPr/>
+          </p:nvGrpSpPr>
+          <p:grpSpPr>
+            <a:xfrm>
+              <a:off x="3895036" y="1280212"/>
+              <a:ext cx="3901832" cy="2079579"/>
+              <a:chOff x="721372" y="1161673"/>
+              <a:chExt cx="3498908" cy="2079579"/>
+            </a:xfrm>
+            <a:grpFill/>
+          </p:grpSpPr>
+          <p:sp>
+            <p:nvSpPr>
+              <p:cNvPr id="1037" name="四角形: 角を丸くする 1036">
+                <a:extLst>
+                  <a:ext uri="{FF2B5EF4-FFF2-40B4-BE49-F238E27FC236}">
+                    <a16:creationId xmlns:a16="http://schemas.microsoft.com/office/drawing/2014/main" id="{B2F205E4-F4B0-1833-7679-C6CC97E8F23B}"/>
+                  </a:ext>
+                </a:extLst>
+              </p:cNvPr>
+              <p:cNvSpPr/>
+              <p:nvPr/>
+            </p:nvSpPr>
+            <p:spPr>
+              <a:xfrm>
+                <a:off x="721372" y="1161673"/>
+                <a:ext cx="3498908" cy="2079579"/>
+              </a:xfrm>
+              <a:prstGeom prst="roundRect">
+                <a:avLst>
+                  <a:gd name="adj" fmla="val 19858"/>
+                </a:avLst>
+              </a:prstGeom>
+              <a:grpFill/>
+              <a:ln>
+                <a:solidFill>
+                  <a:schemeClr val="tx1"/>
+                </a:solidFill>
+              </a:ln>
+              <a:effectLst>
+                <a:outerShdw blurRad="50800" dist="38100" dir="2700000" algn="tl" rotWithShape="0">
+                  <a:prstClr val="black">
+                    <a:alpha val="40000"/>
+                  </a:prstClr>
+                </a:outerShdw>
+              </a:effectLst>
+            </p:spPr>
+            <p:style>
+              <a:lnRef idx="2">
+                <a:schemeClr val="accent3"/>
+              </a:lnRef>
+              <a:fillRef idx="1">
+                <a:schemeClr val="lt1"/>
+              </a:fillRef>
+              <a:effectRef idx="0">
+                <a:schemeClr val="accent3"/>
+              </a:effectRef>
+              <a:fontRef idx="minor">
+                <a:schemeClr val="dk1"/>
+              </a:fontRef>
+            </p:style>
+            <p:txBody>
+              <a:bodyPr rtlCol="0" anchor="ctr"/>
+              <a:lstStyle/>
+              <a:p>
+                <a:pPr algn="ctr">
+                  <a:lnSpc>
+                    <a:spcPct val="130000"/>
+                  </a:lnSpc>
+                  <a:spcAft>
+                    <a:spcPts val="600"/>
+                  </a:spcAft>
+                </a:pPr>
+                <a:endParaRPr kumimoji="1" lang="en-US" altLang="ja-JP" sz="1600" dirty="0">
+                  <a:solidFill>
+                    <a:schemeClr val="tx1"/>
+                  </a:solidFill>
+                  <a:latin typeface="+mn-ea"/>
+                </a:endParaRPr>
+              </a:p>
+              <a:p>
+                <a:pPr algn="ctr">
+                  <a:lnSpc>
+                    <a:spcPct val="130000"/>
+                  </a:lnSpc>
+                  <a:spcAft>
+                    <a:spcPts val="600"/>
+                  </a:spcAft>
+                </a:pPr>
+                <a:endParaRPr kumimoji="1" lang="en-US" altLang="ja-JP" sz="1600" dirty="0">
+                  <a:solidFill>
+                    <a:schemeClr val="tx1"/>
+                  </a:solidFill>
+                  <a:latin typeface="+mn-ea"/>
+                </a:endParaRPr>
+              </a:p>
+              <a:p>
+                <a:pPr algn="ctr">
+                  <a:lnSpc>
+                    <a:spcPct val="130000"/>
+                  </a:lnSpc>
+                  <a:spcAft>
+                    <a:spcPts val="600"/>
+                  </a:spcAft>
+                </a:pPr>
+                <a:endParaRPr kumimoji="1" lang="en-US" altLang="ja-JP" sz="1600" dirty="0">
+                  <a:solidFill>
+                    <a:schemeClr val="tx1"/>
+                  </a:solidFill>
+                  <a:latin typeface="+mn-ea"/>
+                </a:endParaRPr>
+              </a:p>
+              <a:p>
+                <a:pPr algn="ctr">
+                  <a:lnSpc>
+                    <a:spcPct val="130000"/>
+                  </a:lnSpc>
+                  <a:spcAft>
+                    <a:spcPts val="600"/>
+                  </a:spcAft>
+                </a:pPr>
+                <a:endParaRPr kumimoji="1" lang="en-US" altLang="ja-JP" sz="1600" dirty="0">
+                  <a:solidFill>
+                    <a:schemeClr val="tx1"/>
+                  </a:solidFill>
+                  <a:latin typeface="+mn-ea"/>
+                </a:endParaRPr>
+              </a:p>
+              <a:p>
+                <a:pPr algn="ctr">
+                  <a:lnSpc>
+                    <a:spcPct val="130000"/>
+                  </a:lnSpc>
+                  <a:spcAft>
+                    <a:spcPts val="600"/>
+                  </a:spcAft>
+                </a:pPr>
+                <a:endParaRPr kumimoji="1" lang="en-US" altLang="ja-JP" sz="1600" dirty="0">
+                  <a:solidFill>
+                    <a:schemeClr val="tx1"/>
+                  </a:solidFill>
+                  <a:latin typeface="+mn-ea"/>
+                </a:endParaRPr>
+              </a:p>
+              <a:p>
+                <a:pPr algn="ctr">
+                  <a:lnSpc>
+                    <a:spcPct val="130000"/>
+                  </a:lnSpc>
+                  <a:spcAft>
+                    <a:spcPts val="600"/>
+                  </a:spcAft>
+                </a:pPr>
+                <a:endParaRPr kumimoji="1" lang="en-US" altLang="ja-JP" sz="1600" dirty="0">
+                  <a:solidFill>
+                    <a:schemeClr val="tx1"/>
+                  </a:solidFill>
+                  <a:latin typeface="+mn-ea"/>
+                </a:endParaRPr>
+              </a:p>
+              <a:p>
+                <a:pPr algn="ctr">
+                  <a:lnSpc>
+                    <a:spcPct val="130000"/>
+                  </a:lnSpc>
+                  <a:spcAft>
+                    <a:spcPts val="600"/>
+                  </a:spcAft>
+                </a:pPr>
+                <a:endParaRPr kumimoji="1" lang="en-US" altLang="ja-JP" sz="1600" dirty="0">
+                  <a:solidFill>
+                    <a:schemeClr val="tx1"/>
+                  </a:solidFill>
+                  <a:latin typeface="+mn-ea"/>
+                </a:endParaRPr>
+              </a:p>
+              <a:p>
+                <a:pPr algn="ctr">
+                  <a:lnSpc>
+                    <a:spcPct val="130000"/>
+                  </a:lnSpc>
+                  <a:spcAft>
+                    <a:spcPts val="600"/>
+                  </a:spcAft>
+                </a:pPr>
+                <a:endParaRPr kumimoji="1" lang="en-US" altLang="ja-JP" sz="2000" dirty="0">
+                  <a:solidFill>
+                    <a:srgbClr val="FF0000"/>
+                  </a:solidFill>
+                  <a:latin typeface="+mn-ea"/>
+                </a:endParaRPr>
+              </a:p>
+              <a:p>
+                <a:pPr algn="ctr">
+                  <a:lnSpc>
+                    <a:spcPct val="130000"/>
+                  </a:lnSpc>
+                  <a:spcAft>
+                    <a:spcPts val="600"/>
+                  </a:spcAft>
+                </a:pPr>
+                <a:endParaRPr kumimoji="1" lang="en-US" altLang="ja-JP" sz="2000" dirty="0">
+                  <a:solidFill>
+                    <a:srgbClr val="FF0000"/>
+                  </a:solidFill>
+                  <a:latin typeface="+mn-ea"/>
+                </a:endParaRPr>
+              </a:p>
+              <a:p>
+                <a:pPr algn="ctr">
+                  <a:lnSpc>
+                    <a:spcPct val="130000"/>
+                  </a:lnSpc>
+                  <a:spcAft>
+                    <a:spcPts val="600"/>
+                  </a:spcAft>
+                </a:pPr>
+                <a:endParaRPr kumimoji="1" lang="ja-JP" altLang="en-US" sz="2000" dirty="0">
+                  <a:solidFill>
+                    <a:srgbClr val="FF0000"/>
+                  </a:solidFill>
+                  <a:latin typeface="+mn-ea"/>
+                </a:endParaRPr>
+              </a:p>
+            </p:txBody>
+          </p:sp>
+          <p:sp>
+            <p:nvSpPr>
+              <p:cNvPr id="1038" name="テキスト ボックス 1037">
+                <a:extLst>
+                  <a:ext uri="{FF2B5EF4-FFF2-40B4-BE49-F238E27FC236}">
+                    <a16:creationId xmlns:a16="http://schemas.microsoft.com/office/drawing/2014/main" id="{42D64695-ED94-C6A0-8201-19BE4554C1BE}"/>
+                  </a:ext>
+                </a:extLst>
+              </p:cNvPr>
+              <p:cNvSpPr txBox="1"/>
+              <p:nvPr/>
+            </p:nvSpPr>
+            <p:spPr>
+              <a:xfrm>
+                <a:off x="1537151" y="1218604"/>
+                <a:ext cx="1728192" cy="369332"/>
+              </a:xfrm>
+              <a:prstGeom prst="rect">
+                <a:avLst/>
+              </a:prstGeom>
+              <a:grpFill/>
+            </p:spPr>
+            <p:txBody>
+              <a:bodyPr wrap="square" rtlCol="0" anchor="ctr">
+                <a:spAutoFit/>
+              </a:bodyPr>
+              <a:lstStyle/>
+              <a:p>
+                <a:pPr algn="ctr"/>
+                <a:r>
+                  <a:rPr kumimoji="1" lang="ja-JP" altLang="en-US" dirty="0"/>
+                  <a:t>ＣＡＤ</a:t>
+                </a:r>
+              </a:p>
+            </p:txBody>
+          </p:sp>
+        </p:grpSp>
+        <p:cxnSp>
+          <p:nvCxnSpPr>
+            <p:cNvPr id="1035" name="直線コネクタ 1034">
+              <a:extLst>
+                <a:ext uri="{FF2B5EF4-FFF2-40B4-BE49-F238E27FC236}">
+                  <a16:creationId xmlns:a16="http://schemas.microsoft.com/office/drawing/2014/main" id="{0AA4B572-11F3-CFBB-00B9-6AB1E4441D0A}"/>
+                </a:ext>
+              </a:extLst>
+            </p:cNvPr>
+            <p:cNvCxnSpPr>
+              <a:cxnSpLocks/>
+            </p:cNvCxnSpPr>
+            <p:nvPr/>
+          </p:nvCxnSpPr>
+          <p:spPr>
+            <a:xfrm>
+              <a:off x="3895036" y="1777318"/>
+              <a:ext cx="3885637" cy="0"/>
+            </a:xfrm>
+            <a:prstGeom prst="line">
+              <a:avLst/>
+            </a:prstGeom>
+            <a:grpFill/>
+            <a:ln>
+              <a:solidFill>
+                <a:schemeClr val="tx1"/>
+              </a:solidFill>
+            </a:ln>
+            <a:effectLst>
+              <a:outerShdw blurRad="50800" dist="38100" dir="2700000" algn="tl" rotWithShape="0">
+                <a:prstClr val="black">
+                  <a:alpha val="40000"/>
+                </a:prstClr>
+              </a:outerShdw>
+            </a:effectLst>
+          </p:spPr>
+          <p:style>
+            <a:lnRef idx="2">
+              <a:schemeClr val="accent3"/>
+            </a:lnRef>
+            <a:fillRef idx="1">
+              <a:schemeClr val="lt1"/>
+            </a:fillRef>
+            <a:effectRef idx="0">
+              <a:schemeClr val="accent3"/>
+            </a:effectRef>
+            <a:fontRef idx="minor">
+              <a:schemeClr val="dk1"/>
+            </a:fontRef>
+          </p:style>
+        </p:cxnSp>
+        <p:sp>
+          <p:nvSpPr>
+            <p:cNvPr id="1036" name="テキスト ボックス 1035">
+              <a:extLst>
+                <a:ext uri="{FF2B5EF4-FFF2-40B4-BE49-F238E27FC236}">
+                  <a16:creationId xmlns:a16="http://schemas.microsoft.com/office/drawing/2014/main" id="{6A37DD6D-D338-E354-C238-2506A64B522A}"/>
+                </a:ext>
+              </a:extLst>
+            </p:cNvPr>
+            <p:cNvSpPr txBox="1"/>
+            <p:nvPr/>
+          </p:nvSpPr>
+          <p:spPr>
+            <a:xfrm>
+              <a:off x="4869151" y="1848162"/>
+              <a:ext cx="1927205" cy="369332"/>
+            </a:xfrm>
+            <a:prstGeom prst="rect">
+              <a:avLst/>
+            </a:prstGeom>
+            <a:grpFill/>
+          </p:spPr>
+          <p:txBody>
+            <a:bodyPr wrap="square" rtlCol="0" anchor="ctr">
+              <a:spAutoFit/>
+            </a:bodyPr>
+            <a:lstStyle/>
+            <a:p>
+              <a:pPr algn="ctr"/>
+              <a:r>
+                <a:rPr kumimoji="1" lang="ja-JP" altLang="en-US" dirty="0"/>
+                <a:t>ブロック属性</a:t>
+              </a:r>
+            </a:p>
+          </p:txBody>
+        </p:sp>
+      </p:grpSp>
+      <p:cxnSp>
+        <p:nvCxnSpPr>
+          <p:cNvPr id="1051" name="コネクタ: カギ線 1050">
+            <a:extLst>
+              <a:ext uri="{FF2B5EF4-FFF2-40B4-BE49-F238E27FC236}">
+                <a16:creationId xmlns:a16="http://schemas.microsoft.com/office/drawing/2014/main" id="{F7891F06-47A6-A25C-9A39-B51C963F44D9}"/>
+              </a:ext>
+            </a:extLst>
+          </p:cNvPr>
+          <p:cNvCxnSpPr>
+            <a:cxnSpLocks/>
+            <a:stCxn id="1037" idx="0"/>
+            <a:endCxn id="36" idx="1"/>
+          </p:cNvCxnSpPr>
+          <p:nvPr/>
+        </p:nvCxnSpPr>
+        <p:spPr>
+          <a:xfrm rot="5400000" flipH="1" flipV="1">
+            <a:off x="2508851" y="1960964"/>
+            <a:ext cx="1543873" cy="1936987"/>
+          </a:xfrm>
+          <a:prstGeom prst="bentConnector2">
+            <a:avLst/>
+          </a:prstGeom>
+          <a:ln w="63500">
+            <a:solidFill>
+              <a:schemeClr val="accent4"/>
+            </a:solidFill>
+            <a:headEnd type="triangle"/>
+            <a:tailEnd type="triangle"/>
+          </a:ln>
+        </p:spPr>
+        <p:style>
+          <a:lnRef idx="1">
+            <a:schemeClr val="accent1"/>
+          </a:lnRef>
+          <a:fillRef idx="0">
+            <a:schemeClr val="accent1"/>
+          </a:fillRef>
+          <a:effectRef idx="0">
+            <a:schemeClr val="accent1"/>
+          </a:effectRef>
+          <a:fontRef idx="minor">
+            <a:schemeClr val="tx1"/>
+          </a:fontRef>
+        </p:style>
+      </p:cxnSp>
+      <p:grpSp>
+        <p:nvGrpSpPr>
+          <p:cNvPr id="2" name="グループ化 1">
+            <a:extLst>
+              <a:ext uri="{FF2B5EF4-FFF2-40B4-BE49-F238E27FC236}">
+                <a16:creationId xmlns:a16="http://schemas.microsoft.com/office/drawing/2014/main" id="{62AB50BB-B6D6-61B9-FA3A-40B62F75DCDE}"/>
+              </a:ext>
+            </a:extLst>
+          </p:cNvPr>
+          <p:cNvGrpSpPr/>
+          <p:nvPr/>
+        </p:nvGrpSpPr>
+        <p:grpSpPr>
+          <a:xfrm>
+            <a:off x="4249281" y="1184900"/>
+            <a:ext cx="4156364" cy="1589580"/>
+            <a:chOff x="4249281" y="1184900"/>
+            <a:chExt cx="4156364" cy="1589580"/>
+          </a:xfrm>
+        </p:grpSpPr>
+        <p:cxnSp>
+          <p:nvCxnSpPr>
+            <p:cNvPr id="42" name="直線コネクタ 41">
+              <a:extLst>
+                <a:ext uri="{FF2B5EF4-FFF2-40B4-BE49-F238E27FC236}">
+                  <a16:creationId xmlns:a16="http://schemas.microsoft.com/office/drawing/2014/main" id="{F535FE33-194B-8AFB-6CA2-C7C01EDFF096}"/>
+                </a:ext>
+              </a:extLst>
+            </p:cNvPr>
+            <p:cNvCxnSpPr>
+              <a:cxnSpLocks/>
+              <a:stCxn id="36" idx="1"/>
+              <a:endCxn id="36" idx="3"/>
+            </p:cNvCxnSpPr>
+            <p:nvPr/>
+          </p:nvCxnSpPr>
+          <p:spPr>
+            <a:xfrm>
+              <a:off x="4249281" y="2157520"/>
+              <a:ext cx="4156364" cy="0"/>
+            </a:xfrm>
+            <a:prstGeom prst="line">
+              <a:avLst/>
+            </a:prstGeom>
+            <a:ln>
+              <a:solidFill>
+                <a:srgbClr val="FF0000"/>
+              </a:solidFill>
+            </a:ln>
+            <a:effectLst>
+              <a:outerShdw blurRad="50800" dist="38100" dir="2700000" algn="tl" rotWithShape="0">
+                <a:prstClr val="black">
+                  <a:alpha val="40000"/>
+                </a:prstClr>
+              </a:outerShdw>
+            </a:effectLst>
+          </p:spPr>
+          <p:style>
+            <a:lnRef idx="2">
+              <a:schemeClr val="accent3"/>
+            </a:lnRef>
+            <a:fillRef idx="1">
+              <a:schemeClr val="lt1"/>
+            </a:fillRef>
+            <a:effectRef idx="0">
+              <a:schemeClr val="accent3"/>
+            </a:effectRef>
+            <a:fontRef idx="minor">
+              <a:schemeClr val="dk1"/>
+            </a:fontRef>
+          </p:style>
+        </p:cxnSp>
+        <p:cxnSp>
+          <p:nvCxnSpPr>
+            <p:cNvPr id="44" name="直線コネクタ 43">
+              <a:extLst>
+                <a:ext uri="{FF2B5EF4-FFF2-40B4-BE49-F238E27FC236}">
+                  <a16:creationId xmlns:a16="http://schemas.microsoft.com/office/drawing/2014/main" id="{D0CC26E9-E455-A24C-D38D-C835C60428BA}"/>
+                </a:ext>
+              </a:extLst>
+            </p:cNvPr>
+            <p:cNvCxnSpPr>
+              <a:cxnSpLocks/>
+              <a:stCxn id="36" idx="2"/>
+            </p:cNvCxnSpPr>
+            <p:nvPr/>
+          </p:nvCxnSpPr>
+          <p:spPr>
+            <a:xfrm flipH="1" flipV="1">
+              <a:off x="6317414" y="2157520"/>
+              <a:ext cx="10049" cy="616960"/>
+            </a:xfrm>
+            <a:prstGeom prst="line">
+              <a:avLst/>
+            </a:prstGeom>
+            <a:ln>
+              <a:solidFill>
+                <a:srgbClr val="FF0000"/>
+              </a:solidFill>
+            </a:ln>
+            <a:effectLst>
+              <a:outerShdw blurRad="50800" dist="38100" dir="2700000" algn="tl" rotWithShape="0">
+                <a:prstClr val="black">
+                  <a:alpha val="40000"/>
+                </a:prstClr>
+              </a:outerShdw>
+            </a:effectLst>
+          </p:spPr>
+          <p:style>
+            <a:lnRef idx="2">
+              <a:schemeClr val="accent3"/>
+            </a:lnRef>
+            <a:fillRef idx="1">
+              <a:schemeClr val="lt1"/>
+            </a:fillRef>
+            <a:effectRef idx="0">
+              <a:schemeClr val="accent3"/>
+            </a:effectRef>
+            <a:fontRef idx="minor">
+              <a:schemeClr val="dk1"/>
+            </a:fontRef>
+          </p:style>
+        </p:cxnSp>
+        <p:grpSp>
+          <p:nvGrpSpPr>
+            <p:cNvPr id="68" name="グループ化 67">
+              <a:extLst>
+                <a:ext uri="{FF2B5EF4-FFF2-40B4-BE49-F238E27FC236}">
+                  <a16:creationId xmlns:a16="http://schemas.microsoft.com/office/drawing/2014/main" id="{D1CED3E8-5834-F00E-1176-45751174337C}"/>
+                </a:ext>
+              </a:extLst>
+            </p:cNvPr>
+            <p:cNvGrpSpPr/>
+            <p:nvPr/>
+          </p:nvGrpSpPr>
+          <p:grpSpPr>
+            <a:xfrm>
+              <a:off x="4249281" y="1540560"/>
+              <a:ext cx="4156364" cy="1233920"/>
+              <a:chOff x="3935760" y="2996952"/>
+              <a:chExt cx="4156364" cy="1233920"/>
+            </a:xfrm>
+          </p:grpSpPr>
+          <p:sp>
+            <p:nvSpPr>
+              <p:cNvPr id="36" name="四角形: 角を丸くする 35">
+                <a:extLst>
+                  <a:ext uri="{FF2B5EF4-FFF2-40B4-BE49-F238E27FC236}">
+                    <a16:creationId xmlns:a16="http://schemas.microsoft.com/office/drawing/2014/main" id="{59FF9888-12E7-F675-7D48-BB7DB683A528}"/>
+                  </a:ext>
+                </a:extLst>
+              </p:cNvPr>
+              <p:cNvSpPr/>
+              <p:nvPr/>
+            </p:nvSpPr>
+            <p:spPr>
+              <a:xfrm>
+                <a:off x="3935760" y="2996952"/>
+                <a:ext cx="4156364" cy="1233920"/>
+              </a:xfrm>
+              <a:prstGeom prst="roundRect">
+                <a:avLst>
+                  <a:gd name="adj" fmla="val 24007"/>
+                </a:avLst>
+              </a:prstGeom>
+              <a:noFill/>
+              <a:ln>
+                <a:solidFill>
+                  <a:srgbClr val="FF0000"/>
+                </a:solidFill>
+              </a:ln>
+              <a:effectLst>
+                <a:outerShdw blurRad="50800" dist="38100" dir="2700000" algn="tl" rotWithShape="0">
+                  <a:prstClr val="black">
+                    <a:alpha val="40000"/>
+                  </a:prstClr>
+                </a:outerShdw>
+              </a:effectLst>
+            </p:spPr>
+            <p:style>
+              <a:lnRef idx="2">
+                <a:schemeClr val="accent3"/>
+              </a:lnRef>
+              <a:fillRef idx="1">
+                <a:schemeClr val="lt1"/>
+              </a:fillRef>
+              <a:effectRef idx="0">
+                <a:schemeClr val="accent3"/>
+              </a:effectRef>
+              <a:fontRef idx="minor">
+                <a:schemeClr val="dk1"/>
+              </a:fontRef>
+            </p:style>
+            <p:txBody>
+              <a:bodyPr rtlCol="0" anchor="ctr"/>
+              <a:lstStyle/>
+              <a:p>
+                <a:pPr algn="ctr">
+                  <a:lnSpc>
+                    <a:spcPct val="130000"/>
+                  </a:lnSpc>
+                  <a:spcAft>
+                    <a:spcPts val="600"/>
+                  </a:spcAft>
+                </a:pPr>
+                <a:endParaRPr kumimoji="1" lang="ja-JP" altLang="en-US" sz="1200" dirty="0">
+                  <a:solidFill>
+                    <a:schemeClr val="tx1"/>
+                  </a:solidFill>
+                  <a:latin typeface="+mn-ea"/>
+                </a:endParaRPr>
+              </a:p>
+            </p:txBody>
+          </p:sp>
+          <p:sp>
+            <p:nvSpPr>
+              <p:cNvPr id="45" name="テキスト ボックス 44">
+                <a:extLst>
+                  <a:ext uri="{FF2B5EF4-FFF2-40B4-BE49-F238E27FC236}">
+                    <a16:creationId xmlns:a16="http://schemas.microsoft.com/office/drawing/2014/main" id="{4A9C5FA7-FB7A-F7E3-F530-4955F1A706B7}"/>
+                  </a:ext>
+                </a:extLst>
+              </p:cNvPr>
+              <p:cNvSpPr txBox="1"/>
+              <p:nvPr/>
+            </p:nvSpPr>
+            <p:spPr>
+              <a:xfrm>
+                <a:off x="4770860" y="3178066"/>
+                <a:ext cx="2376547" cy="369332"/>
+              </a:xfrm>
+              <a:prstGeom prst="rect">
+                <a:avLst/>
+              </a:prstGeom>
+              <a:noFill/>
+            </p:spPr>
+            <p:txBody>
+              <a:bodyPr wrap="square" rtlCol="0">
+                <a:spAutoFit/>
+              </a:bodyPr>
+              <a:lstStyle/>
+              <a:p>
+                <a:pPr algn="ctr"/>
+                <a:r>
+                  <a:rPr kumimoji="1" lang="ja-JP" altLang="en-US" dirty="0"/>
+                  <a:t>属性情報：</a:t>
+                </a:r>
+                <a:r>
+                  <a:rPr kumimoji="1" lang="en-US" altLang="ja-JP" dirty="0"/>
+                  <a:t>CSV</a:t>
+                </a:r>
+                <a:r>
+                  <a:rPr kumimoji="1" lang="ja-JP" altLang="en-US" dirty="0"/>
+                  <a:t>連携</a:t>
+                </a:r>
+              </a:p>
+            </p:txBody>
+          </p:sp>
+          <p:sp>
+            <p:nvSpPr>
+              <p:cNvPr id="47" name="テキスト ボックス 46">
+                <a:extLst>
+                  <a:ext uri="{FF2B5EF4-FFF2-40B4-BE49-F238E27FC236}">
+                    <a16:creationId xmlns:a16="http://schemas.microsoft.com/office/drawing/2014/main" id="{6FA843B0-DE9E-5E23-1FC1-A2302CBE490B}"/>
+                  </a:ext>
+                </a:extLst>
+              </p:cNvPr>
+              <p:cNvSpPr txBox="1"/>
+              <p:nvPr/>
+            </p:nvSpPr>
+            <p:spPr>
+              <a:xfrm>
+                <a:off x="4198020" y="3738781"/>
+                <a:ext cx="1728192" cy="369332"/>
+              </a:xfrm>
+              <a:prstGeom prst="rect">
+                <a:avLst/>
+              </a:prstGeom>
+              <a:noFill/>
+            </p:spPr>
+            <p:txBody>
+              <a:bodyPr wrap="square" rtlCol="0">
+                <a:spAutoFit/>
+              </a:bodyPr>
+              <a:lstStyle/>
+              <a:p>
+                <a:pPr algn="ctr"/>
+                <a:r>
+                  <a:rPr kumimoji="1" lang="ja-JP" altLang="en-US" dirty="0"/>
+                  <a:t>施工計画</a:t>
+                </a:r>
+              </a:p>
+            </p:txBody>
+          </p:sp>
+          <p:sp>
+            <p:nvSpPr>
+              <p:cNvPr id="55" name="テキスト ボックス 54">
+                <a:extLst>
+                  <a:ext uri="{FF2B5EF4-FFF2-40B4-BE49-F238E27FC236}">
+                    <a16:creationId xmlns:a16="http://schemas.microsoft.com/office/drawing/2014/main" id="{EAA3A383-926A-9CC7-8D02-8FC6F50CA1FF}"/>
+                  </a:ext>
+                </a:extLst>
+              </p:cNvPr>
+              <p:cNvSpPr txBox="1"/>
+              <p:nvPr/>
+            </p:nvSpPr>
+            <p:spPr>
+              <a:xfrm>
+                <a:off x="6003892" y="3736605"/>
+                <a:ext cx="2088232" cy="369332"/>
+              </a:xfrm>
+              <a:prstGeom prst="rect">
+                <a:avLst/>
+              </a:prstGeom>
+              <a:noFill/>
+            </p:spPr>
+            <p:txBody>
+              <a:bodyPr wrap="square" rtlCol="0">
+                <a:spAutoFit/>
+              </a:bodyPr>
+              <a:lstStyle/>
+              <a:p>
+                <a:pPr algn="ctr"/>
+                <a:r>
+                  <a:rPr kumimoji="1" lang="ja-JP" altLang="en-US" dirty="0"/>
+                  <a:t>積算（数量計算）</a:t>
+                </a:r>
+              </a:p>
+            </p:txBody>
+          </p:sp>
+        </p:grpSp>
+        <p:grpSp>
+          <p:nvGrpSpPr>
+            <p:cNvPr id="1060" name="グループ化 1059">
+              <a:extLst>
+                <a:ext uri="{FF2B5EF4-FFF2-40B4-BE49-F238E27FC236}">
+                  <a16:creationId xmlns:a16="http://schemas.microsoft.com/office/drawing/2014/main" id="{D0842B7B-9998-8347-0B5C-80D8C4FF2420}"/>
+                </a:ext>
+              </a:extLst>
+            </p:cNvPr>
+            <p:cNvGrpSpPr/>
+            <p:nvPr/>
+          </p:nvGrpSpPr>
+          <p:grpSpPr>
+            <a:xfrm>
+              <a:off x="5072990" y="1184900"/>
+              <a:ext cx="2565597" cy="476806"/>
+              <a:chOff x="2639617" y="769479"/>
+              <a:chExt cx="2930320" cy="476806"/>
+            </a:xfrm>
+          </p:grpSpPr>
+          <p:sp>
+            <p:nvSpPr>
+              <p:cNvPr id="1055" name="四角形: 角を丸くする 1054">
+                <a:extLst>
+                  <a:ext uri="{FF2B5EF4-FFF2-40B4-BE49-F238E27FC236}">
+                    <a16:creationId xmlns:a16="http://schemas.microsoft.com/office/drawing/2014/main" id="{1B109364-7DB2-6C2F-43CC-C15B800AF6F7}"/>
+                  </a:ext>
+                </a:extLst>
+              </p:cNvPr>
+              <p:cNvSpPr/>
+              <p:nvPr/>
+            </p:nvSpPr>
+            <p:spPr>
+              <a:xfrm>
+                <a:off x="2639617" y="769479"/>
+                <a:ext cx="2930320" cy="476806"/>
+              </a:xfrm>
+              <a:prstGeom prst="roundRect">
+                <a:avLst>
+                  <a:gd name="adj" fmla="val 50000"/>
+                </a:avLst>
+              </a:prstGeom>
+              <a:solidFill>
+                <a:schemeClr val="bg1"/>
+              </a:solidFill>
+              <a:ln>
+                <a:solidFill>
+                  <a:schemeClr val="tx1"/>
+                </a:solidFill>
+              </a:ln>
+              <a:effectLst>
+                <a:outerShdw blurRad="50800" dist="38100" dir="2700000" algn="tl" rotWithShape="0">
+                  <a:prstClr val="black">
+                    <a:alpha val="40000"/>
+                  </a:prstClr>
+                </a:outerShdw>
+              </a:effectLst>
+            </p:spPr>
+            <p:style>
+              <a:lnRef idx="2">
+                <a:schemeClr val="accent3"/>
+              </a:lnRef>
+              <a:fillRef idx="1">
+                <a:schemeClr val="lt1"/>
+              </a:fillRef>
+              <a:effectRef idx="0">
+                <a:schemeClr val="accent3"/>
+              </a:effectRef>
+              <a:fontRef idx="minor">
+                <a:schemeClr val="dk1"/>
+              </a:fontRef>
+            </p:style>
+            <p:txBody>
+              <a:bodyPr rtlCol="0" anchor="ctr"/>
+              <a:lstStyle/>
+              <a:p>
+                <a:pPr marL="446088" indent="-182563" algn="ctr">
+                  <a:lnSpc>
+                    <a:spcPct val="130000"/>
+                  </a:lnSpc>
+                  <a:spcAft>
+                    <a:spcPts val="600"/>
+                  </a:spcAft>
+                </a:pPr>
+                <a:r>
+                  <a:rPr kumimoji="1" lang="ja-JP" altLang="en-US" sz="1200" dirty="0">
+                    <a:solidFill>
+                      <a:schemeClr val="tx1"/>
+                    </a:solidFill>
+                    <a:latin typeface="+mn-ea"/>
+                  </a:rPr>
+                  <a:t>型式変換による連携</a:t>
+                </a:r>
+                <a:endParaRPr kumimoji="1" lang="en-US" altLang="ja-JP" sz="1200" dirty="0">
+                  <a:solidFill>
+                    <a:schemeClr val="tx1"/>
+                  </a:solidFill>
+                  <a:latin typeface="+mn-ea"/>
+                </a:endParaRPr>
+              </a:p>
+              <a:p>
+                <a:pPr marL="446088" indent="-182563" algn="ctr">
+                  <a:lnSpc>
+                    <a:spcPts val="500"/>
+                  </a:lnSpc>
+                  <a:spcAft>
+                    <a:spcPts val="600"/>
+                  </a:spcAft>
+                </a:pPr>
+                <a:r>
+                  <a:rPr kumimoji="1" lang="ja-JP" altLang="en-US" sz="1200" dirty="0">
+                    <a:solidFill>
+                      <a:schemeClr val="tx1"/>
+                    </a:solidFill>
+                    <a:latin typeface="+mn-ea"/>
+                  </a:rPr>
+                  <a:t>様々な台帳と連携　</a:t>
+                </a:r>
+              </a:p>
+            </p:txBody>
+          </p:sp>
+          <p:pic>
+            <p:nvPicPr>
+              <p:cNvPr id="1059" name="図 1058">
+                <a:extLst>
+                  <a:ext uri="{FF2B5EF4-FFF2-40B4-BE49-F238E27FC236}">
+                    <a16:creationId xmlns:a16="http://schemas.microsoft.com/office/drawing/2014/main" id="{575466C0-1716-2F94-2F63-DB63FA8CAFE7}"/>
+                  </a:ext>
+                </a:extLst>
+              </p:cNvPr>
+              <p:cNvPicPr>
+                <a:picLocks noChangeAspect="1"/>
+              </p:cNvPicPr>
+              <p:nvPr/>
+            </p:nvPicPr>
+            <p:blipFill>
+              <a:blip r:embed="rId6"/>
+              <a:stretch>
+                <a:fillRect/>
+              </a:stretch>
+            </p:blipFill>
+            <p:spPr>
+              <a:xfrm>
+                <a:off x="2886477" y="850093"/>
+                <a:ext cx="373266" cy="319038"/>
+              </a:xfrm>
+              <a:prstGeom prst="rect">
+                <a:avLst/>
+              </a:prstGeom>
+            </p:spPr>
+          </p:pic>
+        </p:grpSp>
+      </p:grpSp>
+      <p:pic>
+        <p:nvPicPr>
+          <p:cNvPr id="1088" name="図 1087">
+            <a:extLst>
+              <a:ext uri="{FF2B5EF4-FFF2-40B4-BE49-F238E27FC236}">
+                <a16:creationId xmlns:a16="http://schemas.microsoft.com/office/drawing/2014/main" id="{BF17B283-E06E-9F88-BF0E-11408CF2298B}"/>
+              </a:ext>
+            </a:extLst>
+          </p:cNvPr>
+          <p:cNvPicPr>
+            <a:picLocks noChangeAspect="1"/>
+          </p:cNvPicPr>
+          <p:nvPr/>
+        </p:nvPicPr>
+        <p:blipFill>
+          <a:blip r:embed="rId7"/>
+          <a:stretch>
+            <a:fillRect/>
+          </a:stretch>
+        </p:blipFill>
+        <p:spPr>
+          <a:xfrm>
+            <a:off x="11095526" y="3794247"/>
+            <a:ext cx="625835" cy="625835"/>
+          </a:xfrm>
+          <a:prstGeom prst="rect">
+            <a:avLst/>
+          </a:prstGeom>
+        </p:spPr>
+      </p:pic>
+      <p:pic>
+        <p:nvPicPr>
+          <p:cNvPr id="1091" name="図 1090">
+            <a:extLst>
+              <a:ext uri="{FF2B5EF4-FFF2-40B4-BE49-F238E27FC236}">
+                <a16:creationId xmlns:a16="http://schemas.microsoft.com/office/drawing/2014/main" id="{1D1860D6-16CF-68AF-DF56-699DD4C4E203}"/>
+              </a:ext>
+            </a:extLst>
+          </p:cNvPr>
+          <p:cNvPicPr>
+            <a:picLocks noChangeAspect="1"/>
+          </p:cNvPicPr>
+          <p:nvPr/>
+        </p:nvPicPr>
+        <p:blipFill>
+          <a:blip r:embed="rId8"/>
+          <a:stretch>
+            <a:fillRect/>
+          </a:stretch>
+        </p:blipFill>
+        <p:spPr>
+          <a:xfrm>
+            <a:off x="3411375" y="3308019"/>
+            <a:ext cx="660996" cy="629519"/>
+          </a:xfrm>
+          <a:prstGeom prst="rect">
+            <a:avLst/>
+          </a:prstGeom>
+        </p:spPr>
+      </p:pic>
+      <p:pic>
+        <p:nvPicPr>
+          <p:cNvPr id="1094" name="図 1093">
+            <a:extLst>
+              <a:ext uri="{FF2B5EF4-FFF2-40B4-BE49-F238E27FC236}">
+                <a16:creationId xmlns:a16="http://schemas.microsoft.com/office/drawing/2014/main" id="{D631097B-2915-3E4B-DFCA-B5594FF7B809}"/>
+              </a:ext>
+            </a:extLst>
+          </p:cNvPr>
+          <p:cNvPicPr>
+            <a:picLocks noChangeAspect="1"/>
+          </p:cNvPicPr>
+          <p:nvPr/>
+        </p:nvPicPr>
+        <p:blipFill>
+          <a:blip r:embed="rId9"/>
+          <a:stretch>
+            <a:fillRect/>
+          </a:stretch>
+        </p:blipFill>
+        <p:spPr>
+          <a:xfrm>
+            <a:off x="11131643" y="4347161"/>
+            <a:ext cx="553600" cy="539761"/>
+          </a:xfrm>
+          <a:prstGeom prst="rect">
+            <a:avLst/>
+          </a:prstGeom>
+        </p:spPr>
+      </p:pic>
+      <p:pic>
+        <p:nvPicPr>
+          <p:cNvPr id="1096" name="図 1095">
+            <a:extLst>
+              <a:ext uri="{FF2B5EF4-FFF2-40B4-BE49-F238E27FC236}">
+                <a16:creationId xmlns:a16="http://schemas.microsoft.com/office/drawing/2014/main" id="{10F73C42-0216-56D1-C002-70DCB053F027}"/>
+              </a:ext>
+            </a:extLst>
+          </p:cNvPr>
+          <p:cNvPicPr>
+            <a:picLocks noChangeAspect="1"/>
+          </p:cNvPicPr>
+          <p:nvPr/>
+        </p:nvPicPr>
+        <p:blipFill>
+          <a:blip r:embed="rId10"/>
+          <a:stretch>
+            <a:fillRect/>
+          </a:stretch>
+        </p:blipFill>
+        <p:spPr>
+          <a:xfrm>
+            <a:off x="11154773" y="3327407"/>
+            <a:ext cx="507343" cy="565325"/>
+          </a:xfrm>
+          <a:prstGeom prst="rect">
+            <a:avLst/>
+          </a:prstGeom>
+        </p:spPr>
+      </p:pic>
+      <p:grpSp>
+        <p:nvGrpSpPr>
+          <p:cNvPr id="7" name="グループ化 6">
+            <a:extLst>
+              <a:ext uri="{FF2B5EF4-FFF2-40B4-BE49-F238E27FC236}">
+                <a16:creationId xmlns:a16="http://schemas.microsoft.com/office/drawing/2014/main" id="{DA653746-F2C9-28D5-8018-1A1C76DE5D38}"/>
+              </a:ext>
+            </a:extLst>
+          </p:cNvPr>
+          <p:cNvGrpSpPr/>
+          <p:nvPr/>
+        </p:nvGrpSpPr>
+        <p:grpSpPr>
+          <a:xfrm>
+            <a:off x="857736" y="4654230"/>
+            <a:ext cx="2579861" cy="923330"/>
+            <a:chOff x="1487488" y="4741697"/>
+            <a:chExt cx="2579861" cy="923330"/>
+          </a:xfrm>
+        </p:grpSpPr>
+        <p:sp>
+          <p:nvSpPr>
+            <p:cNvPr id="6" name="テキスト ボックス 5">
+              <a:extLst>
+                <a:ext uri="{FF2B5EF4-FFF2-40B4-BE49-F238E27FC236}">
+                  <a16:creationId xmlns:a16="http://schemas.microsoft.com/office/drawing/2014/main" id="{F7F8F3C5-11BE-2D80-4EE6-8A5B2F23D61F}"/>
+                </a:ext>
+              </a:extLst>
+            </p:cNvPr>
+            <p:cNvSpPr txBox="1"/>
+            <p:nvPr/>
+          </p:nvSpPr>
+          <p:spPr>
+            <a:xfrm>
+              <a:off x="2168748" y="4741697"/>
+              <a:ext cx="1898601" cy="923330"/>
+            </a:xfrm>
+            <a:prstGeom prst="rect">
+              <a:avLst/>
+            </a:prstGeom>
+            <a:solidFill>
+              <a:schemeClr val="bg1"/>
+            </a:solidFill>
+          </p:spPr>
+          <p:txBody>
+            <a:bodyPr wrap="square" rtlCol="0" anchor="ctr">
+              <a:spAutoFit/>
+            </a:bodyPr>
+            <a:lstStyle/>
+            <a:p>
+              <a:r>
+                <a:rPr kumimoji="1" lang="en-US" altLang="ja-JP" dirty="0"/>
+                <a:t>MAP3D</a:t>
+              </a:r>
+            </a:p>
+            <a:p>
+              <a:r>
+                <a:rPr kumimoji="1" lang="ja-JP" altLang="en-US" dirty="0"/>
+                <a:t>・</a:t>
+              </a:r>
+              <a:r>
+                <a:rPr kumimoji="1" lang="en-US" altLang="ja-JP" dirty="0"/>
+                <a:t>EPSG</a:t>
+              </a:r>
+              <a:r>
+                <a:rPr kumimoji="1" lang="ja-JP" altLang="en-US" dirty="0"/>
+                <a:t>ｺｰﾄﾞ</a:t>
+              </a:r>
+              <a:endParaRPr kumimoji="1" lang="en-US" altLang="ja-JP" dirty="0"/>
+            </a:p>
+            <a:p>
+              <a:r>
+                <a:rPr kumimoji="1" lang="ja-JP" altLang="en-US" dirty="0"/>
+                <a:t>・</a:t>
+              </a:r>
+              <a:r>
+                <a:rPr kumimoji="1" lang="en-US" altLang="ja-JP" dirty="0"/>
+                <a:t>DWG2013</a:t>
+              </a:r>
+              <a:r>
+                <a:rPr kumimoji="1" lang="ja-JP" altLang="en-US" dirty="0"/>
+                <a:t>出力</a:t>
+              </a:r>
+            </a:p>
+          </p:txBody>
+        </p:sp>
+        <p:pic>
+          <p:nvPicPr>
+            <p:cNvPr id="5" name="図 4">
+              <a:extLst>
+                <a:ext uri="{FF2B5EF4-FFF2-40B4-BE49-F238E27FC236}">
+                  <a16:creationId xmlns:a16="http://schemas.microsoft.com/office/drawing/2014/main" id="{E2463149-3E7B-E2AE-B7E4-C2D12C327E60}"/>
+                </a:ext>
+              </a:extLst>
+            </p:cNvPr>
+            <p:cNvPicPr>
+              <a:picLocks noChangeAspect="1"/>
+            </p:cNvPicPr>
+            <p:nvPr/>
+          </p:nvPicPr>
+          <p:blipFill>
+            <a:blip r:embed="rId8"/>
+            <a:stretch>
+              <a:fillRect/>
+            </a:stretch>
+          </p:blipFill>
+          <p:spPr>
+            <a:xfrm>
+              <a:off x="1487488" y="4897788"/>
+              <a:ext cx="660996" cy="629519"/>
+            </a:xfrm>
+            <a:prstGeom prst="rect">
+              <a:avLst/>
+            </a:prstGeom>
+          </p:spPr>
+        </p:pic>
+      </p:grpSp>
+      <p:cxnSp>
+        <p:nvCxnSpPr>
+          <p:cNvPr id="8" name="コネクタ: カギ線 7">
+            <a:extLst>
+              <a:ext uri="{FF2B5EF4-FFF2-40B4-BE49-F238E27FC236}">
+                <a16:creationId xmlns:a16="http://schemas.microsoft.com/office/drawing/2014/main" id="{2BFAA1CB-4B5E-1EE9-6D41-56CB5180175C}"/>
+              </a:ext>
+            </a:extLst>
+          </p:cNvPr>
+          <p:cNvCxnSpPr>
+            <a:cxnSpLocks/>
+            <a:endCxn id="71" idx="2"/>
+          </p:cNvCxnSpPr>
+          <p:nvPr/>
+        </p:nvCxnSpPr>
+        <p:spPr>
+          <a:xfrm flipV="1">
+            <a:off x="3369312" y="4623739"/>
+            <a:ext cx="2946187" cy="539761"/>
+          </a:xfrm>
+          <a:prstGeom prst="bentConnector2">
+            <a:avLst/>
+          </a:prstGeom>
+          <a:ln w="63500">
+            <a:solidFill>
+              <a:srgbClr val="FF0000"/>
+            </a:solidFill>
+            <a:headEnd type="none"/>
+            <a:tailEnd type="triangle"/>
+          </a:ln>
+        </p:spPr>
+        <p:style>
+          <a:lnRef idx="1">
+            <a:schemeClr val="accent1"/>
+          </a:lnRef>
+          <a:fillRef idx="0">
+            <a:schemeClr val="accent1"/>
+          </a:fillRef>
+          <a:effectRef idx="0">
+            <a:schemeClr val="accent1"/>
+          </a:effectRef>
+          <a:fontRef idx="minor">
+            <a:schemeClr val="tx1"/>
+          </a:fontRef>
+        </p:style>
+      </p:cxnSp>
+      <p:sp>
+        <p:nvSpPr>
+          <p:cNvPr id="20" name="テキスト ボックス 19">
+            <a:extLst>
+              <a:ext uri="{FF2B5EF4-FFF2-40B4-BE49-F238E27FC236}">
+                <a16:creationId xmlns:a16="http://schemas.microsoft.com/office/drawing/2014/main" id="{0A6D9428-6AEF-C338-402D-F30CB4A45F04}"/>
+              </a:ext>
+            </a:extLst>
+          </p:cNvPr>
+          <p:cNvSpPr txBox="1"/>
+          <p:nvPr/>
+        </p:nvSpPr>
+        <p:spPr>
+          <a:xfrm>
+            <a:off x="4244077" y="5365647"/>
+            <a:ext cx="2743709" cy="1200329"/>
+          </a:xfrm>
+          <a:prstGeom prst="rect">
+            <a:avLst/>
+          </a:prstGeom>
+          <a:solidFill>
+            <a:schemeClr val="bg1"/>
+          </a:solidFill>
+        </p:spPr>
+        <p:txBody>
+          <a:bodyPr wrap="square" rtlCol="0" anchor="ctr">
+            <a:spAutoFit/>
+          </a:bodyPr>
+          <a:lstStyle/>
+          <a:p>
+            <a:pPr algn="ctr"/>
+            <a:r>
+              <a:rPr kumimoji="1" lang="ja-JP" altLang="en-US" dirty="0"/>
+              <a:t>図形（寸法等文字情報）</a:t>
+            </a:r>
+            <a:endParaRPr kumimoji="1" lang="en-US" altLang="ja-JP" dirty="0"/>
+          </a:p>
+          <a:p>
+            <a:r>
+              <a:rPr kumimoji="1" lang="en-US" altLang="ja-JP" dirty="0"/>
+              <a:t>※DWG</a:t>
+            </a:r>
+            <a:r>
+              <a:rPr kumimoji="1" lang="ja-JP" altLang="en-US" dirty="0"/>
+              <a:t>のｲﾝﾎﾟｰﾄ機能：</a:t>
+            </a:r>
+            <a:endParaRPr kumimoji="1" lang="en-US" altLang="ja-JP" dirty="0"/>
+          </a:p>
+          <a:p>
+            <a:pPr algn="r"/>
+            <a:r>
+              <a:rPr kumimoji="1" lang="ja-JP" altLang="en-US" dirty="0"/>
+              <a:t>「ﾚｲﾔを結合しない」</a:t>
+            </a:r>
+            <a:endParaRPr kumimoji="1" lang="en-US" altLang="ja-JP" dirty="0"/>
+          </a:p>
+          <a:p>
+            <a:pPr algn="r"/>
+            <a:r>
+              <a:rPr kumimoji="1" lang="ja-JP" altLang="en-US" dirty="0"/>
+              <a:t>を選択</a:t>
+            </a:r>
+            <a:endParaRPr kumimoji="1" lang="en-US" altLang="ja-JP" dirty="0"/>
+          </a:p>
+        </p:txBody>
+      </p:sp>
+      <p:sp>
+        <p:nvSpPr>
+          <p:cNvPr id="21" name="テキスト ボックス 20">
+            <a:extLst>
+              <a:ext uri="{FF2B5EF4-FFF2-40B4-BE49-F238E27FC236}">
+                <a16:creationId xmlns:a16="http://schemas.microsoft.com/office/drawing/2014/main" id="{9F487D6E-7184-427E-1F65-CCC77CAB9241}"/>
+              </a:ext>
+            </a:extLst>
+          </p:cNvPr>
+          <p:cNvSpPr txBox="1"/>
+          <p:nvPr/>
+        </p:nvSpPr>
+        <p:spPr>
+          <a:xfrm>
+            <a:off x="2318403" y="1694500"/>
+            <a:ext cx="1566512" cy="369332"/>
+          </a:xfrm>
+          <a:prstGeom prst="rect">
+            <a:avLst/>
+          </a:prstGeom>
+          <a:noFill/>
+        </p:spPr>
+        <p:txBody>
+          <a:bodyPr wrap="square" rtlCol="0" anchor="ctr">
+            <a:spAutoFit/>
+          </a:bodyPr>
+          <a:lstStyle/>
+          <a:p>
+            <a:pPr algn="ctr"/>
+            <a:r>
+              <a:rPr kumimoji="1" lang="ja-JP" altLang="en-US" dirty="0"/>
+              <a:t>属性</a:t>
+            </a:r>
+          </a:p>
+        </p:txBody>
+      </p:sp>
+      <p:sp>
+        <p:nvSpPr>
+          <p:cNvPr id="22" name="テキスト ボックス 21">
+            <a:extLst>
+              <a:ext uri="{FF2B5EF4-FFF2-40B4-BE49-F238E27FC236}">
+                <a16:creationId xmlns:a16="http://schemas.microsoft.com/office/drawing/2014/main" id="{3B811252-FA16-EC8E-8AA2-25F50E2EC3FC}"/>
+              </a:ext>
+            </a:extLst>
+          </p:cNvPr>
+          <p:cNvSpPr txBox="1"/>
+          <p:nvPr/>
+        </p:nvSpPr>
+        <p:spPr>
+          <a:xfrm>
+            <a:off x="8830804" y="1661706"/>
+            <a:ext cx="930715" cy="369332"/>
+          </a:xfrm>
+          <a:prstGeom prst="rect">
+            <a:avLst/>
+          </a:prstGeom>
+          <a:noFill/>
+        </p:spPr>
+        <p:txBody>
+          <a:bodyPr wrap="square" rtlCol="0" anchor="ctr">
+            <a:spAutoFit/>
+          </a:bodyPr>
+          <a:lstStyle/>
+          <a:p>
+            <a:pPr algn="ctr"/>
+            <a:r>
+              <a:rPr kumimoji="1" lang="ja-JP" altLang="en-US" dirty="0"/>
+              <a:t>属性</a:t>
+            </a:r>
+          </a:p>
+        </p:txBody>
+      </p:sp>
+    </p:spTree>
+    <p:extLst>
+      <p:ext uri="{BB962C8B-B14F-4D97-AF65-F5344CB8AC3E}">
+        <p14:creationId xmlns:p14="http://schemas.microsoft.com/office/powerpoint/2010/main" val="3134659741"/>
+      </p:ext>
+    </p:extLst>
+  </p:cSld>
+  <p:clrMapOvr>
+    <a:masterClrMapping/>
+  </p:clrMapOvr>
+  <mc:AlternateContent xmlns:mc="http://schemas.openxmlformats.org/markup-compatibility/2006" xmlns:p14="http://schemas.microsoft.com/office/powerpoint/2010/main">
+    <mc:Choice Requires="p14">
+      <p:transition spd="slow" p14:dur="15000"/>
+    </mc:Choice>
+    <mc:Fallback xmlns="">
+      <p:transition spd="slow"/>
+    </mc:Fallback>
+  </mc:AlternateContent>
+</p:sld>
+</file>
+
+<file path=ppt/slides/slide4.xml><?xml version="1.0" encoding="utf-8"?>
+<p:sld xmlns:a="http://schemas.openxmlformats.org/drawingml/2006/main" xmlns:r="http://schemas.openxmlformats.org/officeDocument/2006/relationships" xmlns:p="http://schemas.openxmlformats.org/presentationml/2006/main">
+  <p:cSld>
+    <p:spTree>
+      <p:nvGrpSpPr>
+        <p:cNvPr id="1" name="">
+          <a:extLst>
+            <a:ext uri="{FF2B5EF4-FFF2-40B4-BE49-F238E27FC236}">
               <a16:creationId xmlns:a16="http://schemas.microsoft.com/office/drawing/2014/main" id="{57132B78-06B6-2C7B-B864-59BD89FA4CEF}"/>
             </a:ext>
           </a:extLst>
@@ -11479,7 +13860,7 @@
 </p:sld>
 </file>
 
-<file path=ppt/slides/slide4.xml><?xml version="1.0" encoding="utf-8"?>
+<file path=ppt/slides/slide5.xml><?xml version="1.0" encoding="utf-8"?>
 <p:sld xmlns:a="http://schemas.openxmlformats.org/drawingml/2006/main" xmlns:r="http://schemas.openxmlformats.org/officeDocument/2006/relationships" xmlns:p="http://schemas.openxmlformats.org/presentationml/2006/main">
   <p:cSld>
     <p:spTree>
@@ -12517,7 +14898,7 @@
 </p:sld>
 </file>
 
-<file path=ppt/slides/slide5.xml><?xml version="1.0" encoding="utf-8"?>
+<file path=ppt/slides/slide6.xml><?xml version="1.0" encoding="utf-8"?>
 <p:sld xmlns:a="http://schemas.openxmlformats.org/drawingml/2006/main" xmlns:r="http://schemas.openxmlformats.org/officeDocument/2006/relationships" xmlns:p="http://schemas.openxmlformats.org/presentationml/2006/main">
   <p:cSld>
     <p:spTree>
@@ -14064,7 +16445,7 @@
 </p:sld>
 </file>
 
-<file path=ppt/slides/slide6.xml><?xml version="1.0" encoding="utf-8"?>
+<file path=ppt/slides/slide7.xml><?xml version="1.0" encoding="utf-8"?>
 <p:sld xmlns:a="http://schemas.openxmlformats.org/drawingml/2006/main" xmlns:r="http://schemas.openxmlformats.org/officeDocument/2006/relationships" xmlns:p="http://schemas.openxmlformats.org/presentationml/2006/main">
   <p:cSld>
     <p:spTree>
